--- a/Leave Management System.pptx
+++ b/Leave Management System.pptx
@@ -5,13 +5,18 @@
     <p:sldMasterId id="2147483660" r:id="rId1"/>
   </p:sldMasterIdLst>
   <p:sldIdLst>
-    <p:sldId id="256" r:id="rId2"/>
-    <p:sldId id="257" r:id="rId3"/>
-    <p:sldId id="258" r:id="rId4"/>
-    <p:sldId id="259" r:id="rId5"/>
-    <p:sldId id="260" r:id="rId6"/>
-    <p:sldId id="261" r:id="rId7"/>
-    <p:sldId id="262" r:id="rId8"/>
+    <p:sldId id="274" r:id="rId2"/>
+    <p:sldId id="256" r:id="rId3"/>
+    <p:sldId id="257" r:id="rId4"/>
+    <p:sldId id="273" r:id="rId5"/>
+    <p:sldId id="258" r:id="rId6"/>
+    <p:sldId id="259" r:id="rId7"/>
+    <p:sldId id="263" r:id="rId8"/>
+    <p:sldId id="260" r:id="rId9"/>
+    <p:sldId id="271" r:id="rId10"/>
+    <p:sldId id="272" r:id="rId11"/>
+    <p:sldId id="261" r:id="rId12"/>
+    <p:sldId id="262" r:id="rId13"/>
   </p:sldIdLst>
   <p:sldSz cx="12192000" cy="6858000"/>
   <p:notesSz cx="6858000" cy="9144000"/>
@@ -110,6 +115,11 @@
       </a:defRPr>
     </a:lvl9pPr>
   </p:defaultTextStyle>
+  <p:extLst>
+    <p:ext uri="{EFAFB233-063F-42B5-8137-9DF3F51BA10A}">
+      <p15:sldGuideLst xmlns:p15="http://schemas.microsoft.com/office/powerpoint/2012/main"/>
+    </p:ext>
+  </p:extLst>
 </p:presentation>
 </file>
 
@@ -835,7 +845,7 @@
           <a:p>
             <a:fld id="{4C4F69B4-95D8-43D0-B5C2-24E215F5D8AD}" type="datetimeFigureOut">
               <a:rPr lang="en-IN" smtClean="0"/>
-              <a:t>27-11-2022</a:t>
+              <a:t>28-11-2022</a:t>
             </a:fld>
             <a:endParaRPr lang="en-IN"/>
           </a:p>
@@ -1086,7 +1096,7 @@
           <a:p>
             <a:fld id="{4C4F69B4-95D8-43D0-B5C2-24E215F5D8AD}" type="datetimeFigureOut">
               <a:rPr lang="en-IN" smtClean="0"/>
-              <a:t>27-11-2022</a:t>
+              <a:t>28-11-2022</a:t>
             </a:fld>
             <a:endParaRPr lang="en-IN"/>
           </a:p>
@@ -1400,7 +1410,7 @@
           <a:p>
             <a:fld id="{4C4F69B4-95D8-43D0-B5C2-24E215F5D8AD}" type="datetimeFigureOut">
               <a:rPr lang="en-IN" smtClean="0"/>
-              <a:t>27-11-2022</a:t>
+              <a:t>28-11-2022</a:t>
             </a:fld>
             <a:endParaRPr lang="en-IN"/>
           </a:p>
@@ -1741,7 +1751,7 @@
           <a:p>
             <a:fld id="{4C4F69B4-95D8-43D0-B5C2-24E215F5D8AD}" type="datetimeFigureOut">
               <a:rPr lang="en-IN" smtClean="0"/>
-              <a:t>27-11-2022</a:t>
+              <a:t>28-11-2022</a:t>
             </a:fld>
             <a:endParaRPr lang="en-IN"/>
           </a:p>
@@ -2055,7 +2065,7 @@
           <a:p>
             <a:fld id="{4C4F69B4-95D8-43D0-B5C2-24E215F5D8AD}" type="datetimeFigureOut">
               <a:rPr lang="en-IN" smtClean="0"/>
-              <a:t>27-11-2022</a:t>
+              <a:t>28-11-2022</a:t>
             </a:fld>
             <a:endParaRPr lang="en-IN"/>
           </a:p>
@@ -2448,7 +2458,7 @@
           <a:p>
             <a:fld id="{4C4F69B4-95D8-43D0-B5C2-24E215F5D8AD}" type="datetimeFigureOut">
               <a:rPr lang="en-IN" smtClean="0"/>
-              <a:t>27-11-2022</a:t>
+              <a:t>28-11-2022</a:t>
             </a:fld>
             <a:endParaRPr lang="en-IN"/>
           </a:p>
@@ -2618,7 +2628,7 @@
           <a:p>
             <a:fld id="{4C4F69B4-95D8-43D0-B5C2-24E215F5D8AD}" type="datetimeFigureOut">
               <a:rPr lang="en-IN" smtClean="0"/>
-              <a:t>27-11-2022</a:t>
+              <a:t>28-11-2022</a:t>
             </a:fld>
             <a:endParaRPr lang="en-IN"/>
           </a:p>
@@ -2798,7 +2808,7 @@
           <a:p>
             <a:fld id="{4C4F69B4-95D8-43D0-B5C2-24E215F5D8AD}" type="datetimeFigureOut">
               <a:rPr lang="en-IN" smtClean="0"/>
-              <a:t>27-11-2022</a:t>
+              <a:t>28-11-2022</a:t>
             </a:fld>
             <a:endParaRPr lang="en-IN"/>
           </a:p>
@@ -2974,7 +2984,7 @@
           <a:p>
             <a:fld id="{4C4F69B4-95D8-43D0-B5C2-24E215F5D8AD}" type="datetimeFigureOut">
               <a:rPr lang="en-IN" smtClean="0"/>
-              <a:t>27-11-2022</a:t>
+              <a:t>28-11-2022</a:t>
             </a:fld>
             <a:endParaRPr lang="en-IN"/>
           </a:p>
@@ -3221,7 +3231,7 @@
           <a:p>
             <a:fld id="{4C4F69B4-95D8-43D0-B5C2-24E215F5D8AD}" type="datetimeFigureOut">
               <a:rPr lang="en-IN" smtClean="0"/>
-              <a:t>27-11-2022</a:t>
+              <a:t>28-11-2022</a:t>
             </a:fld>
             <a:endParaRPr lang="en-IN"/>
           </a:p>
@@ -3453,7 +3463,7 @@
           <a:p>
             <a:fld id="{4C4F69B4-95D8-43D0-B5C2-24E215F5D8AD}" type="datetimeFigureOut">
               <a:rPr lang="en-IN" smtClean="0"/>
-              <a:t>27-11-2022</a:t>
+              <a:t>28-11-2022</a:t>
             </a:fld>
             <a:endParaRPr lang="en-IN"/>
           </a:p>
@@ -3827,7 +3837,7 @@
           <a:p>
             <a:fld id="{4C4F69B4-95D8-43D0-B5C2-24E215F5D8AD}" type="datetimeFigureOut">
               <a:rPr lang="en-IN" smtClean="0"/>
-              <a:t>27-11-2022</a:t>
+              <a:t>28-11-2022</a:t>
             </a:fld>
             <a:endParaRPr lang="en-IN"/>
           </a:p>
@@ -3950,7 +3960,7 @@
           <a:p>
             <a:fld id="{4C4F69B4-95D8-43D0-B5C2-24E215F5D8AD}" type="datetimeFigureOut">
               <a:rPr lang="en-IN" smtClean="0"/>
-              <a:t>27-11-2022</a:t>
+              <a:t>28-11-2022</a:t>
             </a:fld>
             <a:endParaRPr lang="en-IN"/>
           </a:p>
@@ -4045,7 +4055,7 @@
           <a:p>
             <a:fld id="{4C4F69B4-95D8-43D0-B5C2-24E215F5D8AD}" type="datetimeFigureOut">
               <a:rPr lang="en-IN" smtClean="0"/>
-              <a:t>27-11-2022</a:t>
+              <a:t>28-11-2022</a:t>
             </a:fld>
             <a:endParaRPr lang="en-IN"/>
           </a:p>
@@ -4300,7 +4310,7 @@
           <a:p>
             <a:fld id="{4C4F69B4-95D8-43D0-B5C2-24E215F5D8AD}" type="datetimeFigureOut">
               <a:rPr lang="en-IN" smtClean="0"/>
-              <a:t>27-11-2022</a:t>
+              <a:t>28-11-2022</a:t>
             </a:fld>
             <a:endParaRPr lang="en-IN"/>
           </a:p>
@@ -4563,7 +4573,7 @@
           <a:p>
             <a:fld id="{4C4F69B4-95D8-43D0-B5C2-24E215F5D8AD}" type="datetimeFigureOut">
               <a:rPr lang="en-IN" smtClean="0"/>
-              <a:t>27-11-2022</a:t>
+              <a:t>28-11-2022</a:t>
             </a:fld>
             <a:endParaRPr lang="en-IN"/>
           </a:p>
@@ -5306,7 +5316,7 @@
           <a:p>
             <a:fld id="{4C4F69B4-95D8-43D0-B5C2-24E215F5D8AD}" type="datetimeFigureOut">
               <a:rPr lang="en-IN" smtClean="0"/>
-              <a:t>27-11-2022</a:t>
+              <a:t>28-11-2022</a:t>
             </a:fld>
             <a:endParaRPr lang="en-IN"/>
           </a:p>
@@ -5814,6 +5824,797 @@
 </file>
 
 <file path=ppt/slides/slide1.xml><?xml version="1.0" encoding="utf-8"?>
+<p:sld xmlns:a="http://schemas.openxmlformats.org/drawingml/2006/main" xmlns:r="http://schemas.openxmlformats.org/officeDocument/2006/relationships" xmlns:p="http://schemas.openxmlformats.org/presentationml/2006/main" showMasterSp="0">
+  <p:cSld>
+    <p:spTree>
+      <p:nvGrpSpPr>
+        <p:cNvPr id="1" name=""/>
+        <p:cNvGrpSpPr/>
+        <p:nvPr/>
+      </p:nvGrpSpPr>
+      <p:grpSpPr>
+        <a:xfrm>
+          <a:off x="0" y="0"/>
+          <a:ext cx="0" cy="0"/>
+          <a:chOff x="0" y="0"/>
+          <a:chExt cx="0" cy="0"/>
+        </a:xfrm>
+      </p:grpSpPr>
+      <p:pic>
+        <p:nvPicPr>
+          <p:cNvPr id="4" name="Content Placeholder 3" descr="Logo&#10;&#10;Description automatically generated">
+            <a:extLst>
+              <a:ext uri="{FF2B5EF4-FFF2-40B4-BE49-F238E27FC236}">
+                <a16:creationId xmlns:a16="http://schemas.microsoft.com/office/drawing/2014/main" id="{10D90915-0906-A776-DFE7-9854AC168040}"/>
+              </a:ext>
+            </a:extLst>
+          </p:cNvPr>
+          <p:cNvPicPr>
+            <a:picLocks noGrp="1" noChangeAspect="1"/>
+          </p:cNvPicPr>
+          <p:nvPr>
+            <p:ph idx="1"/>
+          </p:nvPr>
+        </p:nvPicPr>
+        <p:blipFill>
+          <a:blip r:embed="rId2">
+            <a:extLst>
+              <a:ext uri="{28A0092B-C50C-407E-A947-70E740481C1C}">
+                <a14:useLocalDpi xmlns:a14="http://schemas.microsoft.com/office/drawing/2010/main" val="0"/>
+              </a:ext>
+            </a:extLst>
+          </a:blip>
+          <a:stretch>
+            <a:fillRect/>
+          </a:stretch>
+        </p:blipFill>
+        <p:spPr>
+          <a:xfrm>
+            <a:off x="5186362" y="170354"/>
+            <a:ext cx="1819275" cy="2145572"/>
+          </a:xfrm>
+          <a:prstGeom prst="rect">
+            <a:avLst/>
+          </a:prstGeom>
+        </p:spPr>
+      </p:pic>
+      <p:sp>
+        <p:nvSpPr>
+          <p:cNvPr id="6" name="TextBox 5">
+            <a:extLst>
+              <a:ext uri="{FF2B5EF4-FFF2-40B4-BE49-F238E27FC236}">
+                <a16:creationId xmlns:a16="http://schemas.microsoft.com/office/drawing/2014/main" id="{A9D5B7D5-2A08-8594-8CA8-685596C14171}"/>
+              </a:ext>
+            </a:extLst>
+          </p:cNvPr>
+          <p:cNvSpPr txBox="1"/>
+          <p:nvPr/>
+        </p:nvSpPr>
+        <p:spPr>
+          <a:xfrm>
+            <a:off x="3148011" y="2676524"/>
+            <a:ext cx="5962651" cy="646331"/>
+          </a:xfrm>
+          <a:prstGeom prst="rect">
+            <a:avLst/>
+          </a:prstGeom>
+          <a:noFill/>
+        </p:spPr>
+        <p:txBody>
+          <a:bodyPr wrap="square" rtlCol="0">
+            <a:spAutoFit/>
+          </a:bodyPr>
+          <a:lstStyle/>
+          <a:p>
+            <a:pPr algn="ctr"/>
+            <a:r>
+              <a:rPr lang="en-IN" sz="3600" b="1" dirty="0"/>
+              <a:t>Leave Management System</a:t>
+            </a:r>
+          </a:p>
+        </p:txBody>
+      </p:sp>
+      <p:sp>
+        <p:nvSpPr>
+          <p:cNvPr id="7" name="TextBox 6">
+            <a:extLst>
+              <a:ext uri="{FF2B5EF4-FFF2-40B4-BE49-F238E27FC236}">
+                <a16:creationId xmlns:a16="http://schemas.microsoft.com/office/drawing/2014/main" id="{2E03AAA6-0544-F55F-6F92-2A5997CC1E21}"/>
+              </a:ext>
+            </a:extLst>
+          </p:cNvPr>
+          <p:cNvSpPr txBox="1"/>
+          <p:nvPr/>
+        </p:nvSpPr>
+        <p:spPr>
+          <a:xfrm>
+            <a:off x="7473439" y="3683453"/>
+            <a:ext cx="4086225" cy="2308324"/>
+          </a:xfrm>
+          <a:prstGeom prst="rect">
+            <a:avLst/>
+          </a:prstGeom>
+          <a:noFill/>
+        </p:spPr>
+        <p:txBody>
+          <a:bodyPr wrap="square" rtlCol="0">
+            <a:spAutoFit/>
+          </a:bodyPr>
+          <a:lstStyle/>
+          <a:p>
+            <a:r>
+              <a:rPr lang="en-IN" sz="3600" dirty="0"/>
+              <a:t>Submitted by:-</a:t>
+            </a:r>
+          </a:p>
+          <a:p>
+            <a:r>
+              <a:rPr lang="en-IN" sz="3600" b="1" u="sng" dirty="0" err="1"/>
+              <a:t>Yugansh</a:t>
+            </a:r>
+            <a:r>
+              <a:rPr lang="en-IN" sz="3600" b="1" u="sng" dirty="0"/>
+              <a:t> Goyal</a:t>
+            </a:r>
+          </a:p>
+          <a:p>
+            <a:r>
+              <a:rPr lang="en-IN" sz="3600" dirty="0"/>
+              <a:t>&amp;</a:t>
+            </a:r>
+          </a:p>
+          <a:p>
+            <a:r>
+              <a:rPr lang="en-IN" sz="3600" b="1" u="sng" dirty="0"/>
+              <a:t>Rohit Raj</a:t>
+            </a:r>
+          </a:p>
+        </p:txBody>
+      </p:sp>
+      <p:sp>
+        <p:nvSpPr>
+          <p:cNvPr id="9" name="TextBox 8">
+            <a:extLst>
+              <a:ext uri="{FF2B5EF4-FFF2-40B4-BE49-F238E27FC236}">
+                <a16:creationId xmlns:a16="http://schemas.microsoft.com/office/drawing/2014/main" id="{38F1F5CA-8090-EB39-12EE-006C11A4D996}"/>
+              </a:ext>
+            </a:extLst>
+          </p:cNvPr>
+          <p:cNvSpPr txBox="1"/>
+          <p:nvPr/>
+        </p:nvSpPr>
+        <p:spPr>
+          <a:xfrm>
+            <a:off x="860322" y="3683453"/>
+            <a:ext cx="4086225" cy="2308324"/>
+          </a:xfrm>
+          <a:prstGeom prst="rect">
+            <a:avLst/>
+          </a:prstGeom>
+          <a:noFill/>
+        </p:spPr>
+        <p:txBody>
+          <a:bodyPr wrap="square" rtlCol="0">
+            <a:spAutoFit/>
+          </a:bodyPr>
+          <a:lstStyle/>
+          <a:p>
+            <a:r>
+              <a:rPr lang="en-IN" sz="3600" dirty="0"/>
+              <a:t>Submitted under:-</a:t>
+            </a:r>
+          </a:p>
+          <a:p>
+            <a:r>
+              <a:rPr lang="en-IN" sz="3600" b="1" u="sng" dirty="0"/>
+              <a:t>Dr. Mukesh Mann</a:t>
+            </a:r>
+          </a:p>
+          <a:p>
+            <a:r>
+              <a:rPr lang="en-IN" sz="3600" dirty="0"/>
+              <a:t>&amp;</a:t>
+            </a:r>
+          </a:p>
+          <a:p>
+            <a:r>
+              <a:rPr lang="en-IN" sz="3600" b="1" u="sng" dirty="0"/>
+              <a:t>Mr. Sandeep Singh</a:t>
+            </a:r>
+          </a:p>
+        </p:txBody>
+      </p:sp>
+    </p:spTree>
+    <p:extLst>
+      <p:ext uri="{BB962C8B-B14F-4D97-AF65-F5344CB8AC3E}">
+        <p14:creationId xmlns:p14="http://schemas.microsoft.com/office/powerpoint/2010/main" val="2451512649"/>
+      </p:ext>
+    </p:extLst>
+  </p:cSld>
+  <p:clrMapOvr>
+    <a:masterClrMapping/>
+  </p:clrMapOvr>
+</p:sld>
+</file>
+
+<file path=ppt/slides/slide10.xml><?xml version="1.0" encoding="utf-8"?>
+<p:sld xmlns:a="http://schemas.openxmlformats.org/drawingml/2006/main" xmlns:r="http://schemas.openxmlformats.org/officeDocument/2006/relationships" xmlns:p="http://schemas.openxmlformats.org/presentationml/2006/main" showMasterSp="0">
+  <p:cSld>
+    <p:spTree>
+      <p:nvGrpSpPr>
+        <p:cNvPr id="1" name=""/>
+        <p:cNvGrpSpPr/>
+        <p:nvPr/>
+      </p:nvGrpSpPr>
+      <p:grpSpPr>
+        <a:xfrm>
+          <a:off x="0" y="0"/>
+          <a:ext cx="0" cy="0"/>
+          <a:chOff x="0" y="0"/>
+          <a:chExt cx="0" cy="0"/>
+        </a:xfrm>
+      </p:grpSpPr>
+      <p:pic>
+        <p:nvPicPr>
+          <p:cNvPr id="5" name="Picture 4">
+            <a:extLst>
+              <a:ext uri="{FF2B5EF4-FFF2-40B4-BE49-F238E27FC236}">
+                <a16:creationId xmlns:a16="http://schemas.microsoft.com/office/drawing/2014/main" id="{B4906B7C-AD26-DAF1-F24F-E49D254EC3E7}"/>
+              </a:ext>
+            </a:extLst>
+          </p:cNvPr>
+          <p:cNvPicPr>
+            <a:picLocks noChangeAspect="1"/>
+          </p:cNvPicPr>
+          <p:nvPr/>
+        </p:nvPicPr>
+        <p:blipFill>
+          <a:blip r:embed="rId2"/>
+          <a:stretch>
+            <a:fillRect/>
+          </a:stretch>
+        </p:blipFill>
+        <p:spPr>
+          <a:xfrm>
+            <a:off x="0" y="0"/>
+            <a:ext cx="12192000" cy="6477000"/>
+          </a:xfrm>
+          <a:prstGeom prst="rect">
+            <a:avLst/>
+          </a:prstGeom>
+        </p:spPr>
+      </p:pic>
+      <p:pic>
+        <p:nvPicPr>
+          <p:cNvPr id="6" name="Picture 5">
+            <a:extLst>
+              <a:ext uri="{FF2B5EF4-FFF2-40B4-BE49-F238E27FC236}">
+                <a16:creationId xmlns:a16="http://schemas.microsoft.com/office/drawing/2014/main" id="{AB2B8530-F190-758C-955D-BEC7B1F31595}"/>
+              </a:ext>
+            </a:extLst>
+          </p:cNvPr>
+          <p:cNvPicPr>
+            <a:picLocks noChangeAspect="1"/>
+          </p:cNvPicPr>
+          <p:nvPr/>
+        </p:nvPicPr>
+        <p:blipFill>
+          <a:blip r:embed="rId3"/>
+          <a:stretch>
+            <a:fillRect/>
+          </a:stretch>
+        </p:blipFill>
+        <p:spPr>
+          <a:xfrm>
+            <a:off x="0" y="0"/>
+            <a:ext cx="12192000" cy="6477000"/>
+          </a:xfrm>
+          <a:prstGeom prst="rect">
+            <a:avLst/>
+          </a:prstGeom>
+        </p:spPr>
+      </p:pic>
+      <p:pic>
+        <p:nvPicPr>
+          <p:cNvPr id="7" name="Picture 6">
+            <a:extLst>
+              <a:ext uri="{FF2B5EF4-FFF2-40B4-BE49-F238E27FC236}">
+                <a16:creationId xmlns:a16="http://schemas.microsoft.com/office/drawing/2014/main" id="{62F1EA0E-43A4-9C87-71A6-31ABB0E0D67C}"/>
+              </a:ext>
+            </a:extLst>
+          </p:cNvPr>
+          <p:cNvPicPr>
+            <a:picLocks noChangeAspect="1"/>
+          </p:cNvPicPr>
+          <p:nvPr/>
+        </p:nvPicPr>
+        <p:blipFill>
+          <a:blip r:embed="rId4"/>
+          <a:stretch>
+            <a:fillRect/>
+          </a:stretch>
+        </p:blipFill>
+        <p:spPr>
+          <a:xfrm>
+            <a:off x="0" y="0"/>
+            <a:ext cx="12192000" cy="6477000"/>
+          </a:xfrm>
+          <a:prstGeom prst="rect">
+            <a:avLst/>
+          </a:prstGeom>
+        </p:spPr>
+      </p:pic>
+      <p:pic>
+        <p:nvPicPr>
+          <p:cNvPr id="8" name="Picture 7">
+            <a:extLst>
+              <a:ext uri="{FF2B5EF4-FFF2-40B4-BE49-F238E27FC236}">
+                <a16:creationId xmlns:a16="http://schemas.microsoft.com/office/drawing/2014/main" id="{ABD60362-621F-F503-09E5-9E94B4A9025D}"/>
+              </a:ext>
+            </a:extLst>
+          </p:cNvPr>
+          <p:cNvPicPr>
+            <a:picLocks noChangeAspect="1"/>
+          </p:cNvPicPr>
+          <p:nvPr/>
+        </p:nvPicPr>
+        <p:blipFill>
+          <a:blip r:embed="rId5"/>
+          <a:stretch>
+            <a:fillRect/>
+          </a:stretch>
+        </p:blipFill>
+        <p:spPr>
+          <a:xfrm>
+            <a:off x="0" y="0"/>
+            <a:ext cx="12192000" cy="6477000"/>
+          </a:xfrm>
+          <a:prstGeom prst="rect">
+            <a:avLst/>
+          </a:prstGeom>
+        </p:spPr>
+      </p:pic>
+      <p:pic>
+        <p:nvPicPr>
+          <p:cNvPr id="9" name="Picture 8">
+            <a:extLst>
+              <a:ext uri="{FF2B5EF4-FFF2-40B4-BE49-F238E27FC236}">
+                <a16:creationId xmlns:a16="http://schemas.microsoft.com/office/drawing/2014/main" id="{01397906-C226-6657-83C2-9FAED51E07E4}"/>
+              </a:ext>
+            </a:extLst>
+          </p:cNvPr>
+          <p:cNvPicPr>
+            <a:picLocks noChangeAspect="1"/>
+          </p:cNvPicPr>
+          <p:nvPr/>
+        </p:nvPicPr>
+        <p:blipFill>
+          <a:blip r:embed="rId6"/>
+          <a:stretch>
+            <a:fillRect/>
+          </a:stretch>
+        </p:blipFill>
+        <p:spPr>
+          <a:xfrm>
+            <a:off x="0" y="0"/>
+            <a:ext cx="12192000" cy="6477000"/>
+          </a:xfrm>
+          <a:prstGeom prst="rect">
+            <a:avLst/>
+          </a:prstGeom>
+        </p:spPr>
+      </p:pic>
+    </p:spTree>
+    <p:extLst>
+      <p:ext uri="{BB962C8B-B14F-4D97-AF65-F5344CB8AC3E}">
+        <p14:creationId xmlns:p14="http://schemas.microsoft.com/office/powerpoint/2010/main" val="3743246641"/>
+      </p:ext>
+    </p:extLst>
+  </p:cSld>
+  <p:clrMapOvr>
+    <a:masterClrMapping/>
+  </p:clrMapOvr>
+  <p:transition spd="slow">
+    <p:cover/>
+  </p:transition>
+  <p:timing>
+    <p:tnLst>
+      <p:par>
+        <p:cTn id="1" dur="indefinite" restart="never" nodeType="tmRoot">
+          <p:childTnLst>
+            <p:seq concurrent="1" nextAc="seek">
+              <p:cTn id="2" dur="indefinite" nodeType="mainSeq">
+                <p:childTnLst>
+                  <p:par>
+                    <p:cTn id="3" fill="hold">
+                      <p:stCondLst>
+                        <p:cond delay="indefinite"/>
+                      </p:stCondLst>
+                      <p:childTnLst>
+                        <p:par>
+                          <p:cTn id="4" fill="hold">
+                            <p:stCondLst>
+                              <p:cond delay="0"/>
+                            </p:stCondLst>
+                            <p:childTnLst>
+                              <p:par>
+                                <p:cTn id="5" presetID="2" presetClass="entr" presetSubtype="2" fill="hold" nodeType="clickEffect">
+                                  <p:stCondLst>
+                                    <p:cond delay="0"/>
+                                  </p:stCondLst>
+                                  <p:childTnLst>
+                                    <p:set>
+                                      <p:cBhvr>
+                                        <p:cTn id="6" dur="1" fill="hold">
+                                          <p:stCondLst>
+                                            <p:cond delay="0"/>
+                                          </p:stCondLst>
+                                        </p:cTn>
+                                        <p:tgtEl>
+                                          <p:spTgt spid="6"/>
+                                        </p:tgtEl>
+                                        <p:attrNameLst>
+                                          <p:attrName>style.visibility</p:attrName>
+                                        </p:attrNameLst>
+                                      </p:cBhvr>
+                                      <p:to>
+                                        <p:strVal val="visible"/>
+                                      </p:to>
+                                    </p:set>
+                                    <p:anim calcmode="lin" valueType="num">
+                                      <p:cBhvr additive="base">
+                                        <p:cTn id="7" dur="500" fill="hold"/>
+                                        <p:tgtEl>
+                                          <p:spTgt spid="6"/>
+                                        </p:tgtEl>
+                                        <p:attrNameLst>
+                                          <p:attrName>ppt_x</p:attrName>
+                                        </p:attrNameLst>
+                                      </p:cBhvr>
+                                      <p:tavLst>
+                                        <p:tav tm="0">
+                                          <p:val>
+                                            <p:strVal val="1+#ppt_w/2"/>
+                                          </p:val>
+                                        </p:tav>
+                                        <p:tav tm="100000">
+                                          <p:val>
+                                            <p:strVal val="#ppt_x"/>
+                                          </p:val>
+                                        </p:tav>
+                                      </p:tavLst>
+                                    </p:anim>
+                                    <p:anim calcmode="lin" valueType="num">
+                                      <p:cBhvr additive="base">
+                                        <p:cTn id="8" dur="500" fill="hold"/>
+                                        <p:tgtEl>
+                                          <p:spTgt spid="6"/>
+                                        </p:tgtEl>
+                                        <p:attrNameLst>
+                                          <p:attrName>ppt_y</p:attrName>
+                                        </p:attrNameLst>
+                                      </p:cBhvr>
+                                      <p:tavLst>
+                                        <p:tav tm="0">
+                                          <p:val>
+                                            <p:strVal val="#ppt_y"/>
+                                          </p:val>
+                                        </p:tav>
+                                        <p:tav tm="100000">
+                                          <p:val>
+                                            <p:strVal val="#ppt_y"/>
+                                          </p:val>
+                                        </p:tav>
+                                      </p:tavLst>
+                                    </p:anim>
+                                  </p:childTnLst>
+                                </p:cTn>
+                              </p:par>
+                            </p:childTnLst>
+                          </p:cTn>
+                        </p:par>
+                      </p:childTnLst>
+                    </p:cTn>
+                  </p:par>
+                  <p:par>
+                    <p:cTn id="9" fill="hold">
+                      <p:stCondLst>
+                        <p:cond delay="indefinite"/>
+                      </p:stCondLst>
+                      <p:childTnLst>
+                        <p:par>
+                          <p:cTn id="10" fill="hold">
+                            <p:stCondLst>
+                              <p:cond delay="0"/>
+                            </p:stCondLst>
+                            <p:childTnLst>
+                              <p:par>
+                                <p:cTn id="11" presetID="2" presetClass="entr" presetSubtype="2" fill="hold" nodeType="clickEffect">
+                                  <p:stCondLst>
+                                    <p:cond delay="0"/>
+                                  </p:stCondLst>
+                                  <p:childTnLst>
+                                    <p:set>
+                                      <p:cBhvr>
+                                        <p:cTn id="12" dur="1" fill="hold">
+                                          <p:stCondLst>
+                                            <p:cond delay="0"/>
+                                          </p:stCondLst>
+                                        </p:cTn>
+                                        <p:tgtEl>
+                                          <p:spTgt spid="7"/>
+                                        </p:tgtEl>
+                                        <p:attrNameLst>
+                                          <p:attrName>style.visibility</p:attrName>
+                                        </p:attrNameLst>
+                                      </p:cBhvr>
+                                      <p:to>
+                                        <p:strVal val="visible"/>
+                                      </p:to>
+                                    </p:set>
+                                    <p:anim calcmode="lin" valueType="num">
+                                      <p:cBhvr additive="base">
+                                        <p:cTn id="13" dur="500" fill="hold"/>
+                                        <p:tgtEl>
+                                          <p:spTgt spid="7"/>
+                                        </p:tgtEl>
+                                        <p:attrNameLst>
+                                          <p:attrName>ppt_x</p:attrName>
+                                        </p:attrNameLst>
+                                      </p:cBhvr>
+                                      <p:tavLst>
+                                        <p:tav tm="0">
+                                          <p:val>
+                                            <p:strVal val="1+#ppt_w/2"/>
+                                          </p:val>
+                                        </p:tav>
+                                        <p:tav tm="100000">
+                                          <p:val>
+                                            <p:strVal val="#ppt_x"/>
+                                          </p:val>
+                                        </p:tav>
+                                      </p:tavLst>
+                                    </p:anim>
+                                    <p:anim calcmode="lin" valueType="num">
+                                      <p:cBhvr additive="base">
+                                        <p:cTn id="14" dur="500" fill="hold"/>
+                                        <p:tgtEl>
+                                          <p:spTgt spid="7"/>
+                                        </p:tgtEl>
+                                        <p:attrNameLst>
+                                          <p:attrName>ppt_y</p:attrName>
+                                        </p:attrNameLst>
+                                      </p:cBhvr>
+                                      <p:tavLst>
+                                        <p:tav tm="0">
+                                          <p:val>
+                                            <p:strVal val="#ppt_y"/>
+                                          </p:val>
+                                        </p:tav>
+                                        <p:tav tm="100000">
+                                          <p:val>
+                                            <p:strVal val="#ppt_y"/>
+                                          </p:val>
+                                        </p:tav>
+                                      </p:tavLst>
+                                    </p:anim>
+                                  </p:childTnLst>
+                                </p:cTn>
+                              </p:par>
+                            </p:childTnLst>
+                          </p:cTn>
+                        </p:par>
+                      </p:childTnLst>
+                    </p:cTn>
+                  </p:par>
+                  <p:par>
+                    <p:cTn id="15" fill="hold">
+                      <p:stCondLst>
+                        <p:cond delay="indefinite"/>
+                      </p:stCondLst>
+                      <p:childTnLst>
+                        <p:par>
+                          <p:cTn id="16" fill="hold">
+                            <p:stCondLst>
+                              <p:cond delay="0"/>
+                            </p:stCondLst>
+                            <p:childTnLst>
+                              <p:par>
+                                <p:cTn id="17" presetID="2" presetClass="entr" presetSubtype="2" fill="hold" nodeType="clickEffect">
+                                  <p:stCondLst>
+                                    <p:cond delay="0"/>
+                                  </p:stCondLst>
+                                  <p:childTnLst>
+                                    <p:set>
+                                      <p:cBhvr>
+                                        <p:cTn id="18" dur="1" fill="hold">
+                                          <p:stCondLst>
+                                            <p:cond delay="0"/>
+                                          </p:stCondLst>
+                                        </p:cTn>
+                                        <p:tgtEl>
+                                          <p:spTgt spid="8"/>
+                                        </p:tgtEl>
+                                        <p:attrNameLst>
+                                          <p:attrName>style.visibility</p:attrName>
+                                        </p:attrNameLst>
+                                      </p:cBhvr>
+                                      <p:to>
+                                        <p:strVal val="visible"/>
+                                      </p:to>
+                                    </p:set>
+                                    <p:anim calcmode="lin" valueType="num">
+                                      <p:cBhvr additive="base">
+                                        <p:cTn id="19" dur="500" fill="hold"/>
+                                        <p:tgtEl>
+                                          <p:spTgt spid="8"/>
+                                        </p:tgtEl>
+                                        <p:attrNameLst>
+                                          <p:attrName>ppt_x</p:attrName>
+                                        </p:attrNameLst>
+                                      </p:cBhvr>
+                                      <p:tavLst>
+                                        <p:tav tm="0">
+                                          <p:val>
+                                            <p:strVal val="1+#ppt_w/2"/>
+                                          </p:val>
+                                        </p:tav>
+                                        <p:tav tm="100000">
+                                          <p:val>
+                                            <p:strVal val="#ppt_x"/>
+                                          </p:val>
+                                        </p:tav>
+                                      </p:tavLst>
+                                    </p:anim>
+                                    <p:anim calcmode="lin" valueType="num">
+                                      <p:cBhvr additive="base">
+                                        <p:cTn id="20" dur="500" fill="hold"/>
+                                        <p:tgtEl>
+                                          <p:spTgt spid="8"/>
+                                        </p:tgtEl>
+                                        <p:attrNameLst>
+                                          <p:attrName>ppt_y</p:attrName>
+                                        </p:attrNameLst>
+                                      </p:cBhvr>
+                                      <p:tavLst>
+                                        <p:tav tm="0">
+                                          <p:val>
+                                            <p:strVal val="#ppt_y"/>
+                                          </p:val>
+                                        </p:tav>
+                                        <p:tav tm="100000">
+                                          <p:val>
+                                            <p:strVal val="#ppt_y"/>
+                                          </p:val>
+                                        </p:tav>
+                                      </p:tavLst>
+                                    </p:anim>
+                                  </p:childTnLst>
+                                </p:cTn>
+                              </p:par>
+                            </p:childTnLst>
+                          </p:cTn>
+                        </p:par>
+                      </p:childTnLst>
+                    </p:cTn>
+                  </p:par>
+                  <p:par>
+                    <p:cTn id="21" fill="hold">
+                      <p:stCondLst>
+                        <p:cond delay="indefinite"/>
+                      </p:stCondLst>
+                      <p:childTnLst>
+                        <p:par>
+                          <p:cTn id="22" fill="hold">
+                            <p:stCondLst>
+                              <p:cond delay="0"/>
+                            </p:stCondLst>
+                            <p:childTnLst>
+                              <p:par>
+                                <p:cTn id="23" presetID="2" presetClass="entr" presetSubtype="2" fill="hold" nodeType="clickEffect">
+                                  <p:stCondLst>
+                                    <p:cond delay="0"/>
+                                  </p:stCondLst>
+                                  <p:childTnLst>
+                                    <p:set>
+                                      <p:cBhvr>
+                                        <p:cTn id="24" dur="1" fill="hold">
+                                          <p:stCondLst>
+                                            <p:cond delay="0"/>
+                                          </p:stCondLst>
+                                        </p:cTn>
+                                        <p:tgtEl>
+                                          <p:spTgt spid="9"/>
+                                        </p:tgtEl>
+                                        <p:attrNameLst>
+                                          <p:attrName>style.visibility</p:attrName>
+                                        </p:attrNameLst>
+                                      </p:cBhvr>
+                                      <p:to>
+                                        <p:strVal val="visible"/>
+                                      </p:to>
+                                    </p:set>
+                                    <p:anim calcmode="lin" valueType="num">
+                                      <p:cBhvr additive="base">
+                                        <p:cTn id="25" dur="500" fill="hold"/>
+                                        <p:tgtEl>
+                                          <p:spTgt spid="9"/>
+                                        </p:tgtEl>
+                                        <p:attrNameLst>
+                                          <p:attrName>ppt_x</p:attrName>
+                                        </p:attrNameLst>
+                                      </p:cBhvr>
+                                      <p:tavLst>
+                                        <p:tav tm="0">
+                                          <p:val>
+                                            <p:strVal val="1+#ppt_w/2"/>
+                                          </p:val>
+                                        </p:tav>
+                                        <p:tav tm="100000">
+                                          <p:val>
+                                            <p:strVal val="#ppt_x"/>
+                                          </p:val>
+                                        </p:tav>
+                                      </p:tavLst>
+                                    </p:anim>
+                                    <p:anim calcmode="lin" valueType="num">
+                                      <p:cBhvr additive="base">
+                                        <p:cTn id="26" dur="500" fill="hold"/>
+                                        <p:tgtEl>
+                                          <p:spTgt spid="9"/>
+                                        </p:tgtEl>
+                                        <p:attrNameLst>
+                                          <p:attrName>ppt_y</p:attrName>
+                                        </p:attrNameLst>
+                                      </p:cBhvr>
+                                      <p:tavLst>
+                                        <p:tav tm="0">
+                                          <p:val>
+                                            <p:strVal val="#ppt_y"/>
+                                          </p:val>
+                                        </p:tav>
+                                        <p:tav tm="100000">
+                                          <p:val>
+                                            <p:strVal val="#ppt_y"/>
+                                          </p:val>
+                                        </p:tav>
+                                      </p:tavLst>
+                                    </p:anim>
+                                  </p:childTnLst>
+                                </p:cTn>
+                              </p:par>
+                            </p:childTnLst>
+                          </p:cTn>
+                        </p:par>
+                      </p:childTnLst>
+                    </p:cTn>
+                  </p:par>
+                </p:childTnLst>
+              </p:cTn>
+              <p:prevCondLst>
+                <p:cond evt="onPrev" delay="0">
+                  <p:tgtEl>
+                    <p:sldTgt/>
+                  </p:tgtEl>
+                </p:cond>
+              </p:prevCondLst>
+              <p:nextCondLst>
+                <p:cond evt="onNext" delay="0">
+                  <p:tgtEl>
+                    <p:sldTgt/>
+                  </p:tgtEl>
+                </p:cond>
+              </p:nextCondLst>
+            </p:seq>
+          </p:childTnLst>
+        </p:cTn>
+      </p:par>
+    </p:tnLst>
+  </p:timing>
+</p:sld>
+</file>
+
+<file path=ppt/slides/slide11.xml><?xml version="1.0" encoding="utf-8"?>
 <p:sld xmlns:a="http://schemas.openxmlformats.org/drawingml/2006/main" xmlns:r="http://schemas.openxmlformats.org/officeDocument/2006/relationships" xmlns:p="http://schemas.openxmlformats.org/presentationml/2006/main">
   <p:cSld>
     <p:spTree>
@@ -5832,10 +6633,10 @@
       </p:grpSpPr>
       <p:sp>
         <p:nvSpPr>
-          <p:cNvPr id="6" name="Title 5">
+          <p:cNvPr id="2" name="Title 1">
             <a:extLst>
               <a:ext uri="{FF2B5EF4-FFF2-40B4-BE49-F238E27FC236}">
-                <a16:creationId xmlns:a16="http://schemas.microsoft.com/office/drawing/2014/main" id="{74D2655C-15CD-8C6F-7D50-154B45E0834F}"/>
+                <a16:creationId xmlns:a16="http://schemas.microsoft.com/office/drawing/2014/main" id="{AC61D05E-FAE1-5E3F-C329-8DCDE87D70A2}"/>
               </a:ext>
             </a:extLst>
           </p:cNvPr>
@@ -5843,34 +6644,34 @@
             <a:spLocks noGrp="1"/>
           </p:cNvSpPr>
           <p:nvPr>
-            <p:ph type="ctrTitle"/>
+            <p:ph type="title"/>
           </p:nvPr>
         </p:nvSpPr>
         <p:spPr>
           <a:xfrm>
-            <a:off x="847191" y="1159497"/>
-            <a:ext cx="7766936" cy="826170"/>
+            <a:off x="677334" y="609600"/>
+            <a:ext cx="8596668" cy="832701"/>
           </a:xfrm>
         </p:spPr>
         <p:txBody>
-          <a:bodyPr/>
+          <a:bodyPr>
+            <a:normAutofit/>
+          </a:bodyPr>
           <a:lstStyle/>
           <a:p>
-            <a:pPr algn="l"/>
-            <a:r>
-              <a:rPr lang="en-IN" sz="3600" dirty="0"/>
-              <a:t>INTRODUCTION</a:t>
-            </a:r>
-            <a:endParaRPr lang="en-IN" dirty="0"/>
-          </a:p>
-        </p:txBody>
-      </p:sp>
-      <p:sp>
-        <p:nvSpPr>
-          <p:cNvPr id="7" name="Subtitle 6">
+            <a:r>
+              <a:rPr lang="en-IN" sz="4400" dirty="0"/>
+              <a:t>FUTURE SCOPE OF THE PROJECT</a:t>
+            </a:r>
+          </a:p>
+        </p:txBody>
+      </p:sp>
+      <p:sp>
+        <p:nvSpPr>
+          <p:cNvPr id="3" name="Content Placeholder 2">
             <a:extLst>
               <a:ext uri="{FF2B5EF4-FFF2-40B4-BE49-F238E27FC236}">
-                <a16:creationId xmlns:a16="http://schemas.microsoft.com/office/drawing/2014/main" id="{09668771-F8FC-DE92-4F0E-F0F8A05E3BFD}"/>
+                <a16:creationId xmlns:a16="http://schemas.microsoft.com/office/drawing/2014/main" id="{6F0C525C-48A5-7576-43AC-22EE82EAD8D9}"/>
               </a:ext>
             </a:extLst>
           </p:cNvPr>
@@ -5878,82 +6679,140 @@
             <a:spLocks noGrp="1"/>
           </p:cNvSpPr>
           <p:nvPr>
-            <p:ph type="subTitle" idx="1"/>
+            <p:ph idx="1"/>
           </p:nvPr>
         </p:nvSpPr>
         <p:spPr>
           <a:xfrm>
-            <a:off x="847191" y="2476556"/>
-            <a:ext cx="8966112" cy="2576211"/>
+            <a:off x="677334" y="1930401"/>
+            <a:ext cx="8596668" cy="4110962"/>
           </a:xfrm>
         </p:spPr>
         <p:txBody>
           <a:bodyPr>
-            <a:normAutofit fontScale="92500"/>
+            <a:normAutofit/>
           </a:bodyPr>
           <a:lstStyle/>
           <a:p>
-            <a:pPr marL="342900" indent="-342900" algn="l">
-              <a:buFont typeface="Wingdings 3" panose="05040102010807070707" pitchFamily="18" charset="2"/>
-              <a:buChar char=""/>
-            </a:pPr>
-            <a:r>
-              <a:rPr lang="en-IN" sz="2400" kern="1200" dirty="0">
-                <a:solidFill>
-                  <a:srgbClr val="000000"/>
-                </a:solidFill>
-                <a:effectLst/>
-                <a:ea typeface="+mn-ea"/>
-                <a:cs typeface="Arial" panose="020B0604020202020204" pitchFamily="34" charset="0"/>
-              </a:rPr>
-              <a:t>The main objective of the system is to computerize the maintenance of the employee details and leave section in the company. It also includes the details about the employee personal.</a:t>
-            </a:r>
-          </a:p>
-          <a:p>
-            <a:pPr marL="342900" indent="-342900" algn="l">
-              <a:buFont typeface="Wingdings 3" panose="05040102010807070707" pitchFamily="18" charset="2"/>
-              <a:buChar char=""/>
-            </a:pPr>
-            <a:endParaRPr lang="en-IN" sz="2400" dirty="0">
-              <a:solidFill>
-                <a:srgbClr val="000000"/>
-              </a:solidFill>
-              <a:cs typeface="Arial" panose="020B0604020202020204" pitchFamily="34" charset="0"/>
-            </a:endParaRPr>
-          </a:p>
-          <a:p>
-            <a:pPr marL="342900" indent="-342900" algn="l">
-              <a:buFont typeface="Wingdings 3" panose="05040102010807070707" pitchFamily="18" charset="2"/>
-              <a:buChar char=""/>
-            </a:pPr>
-            <a:r>
-              <a:rPr lang="en-IN" sz="2400" kern="1200" dirty="0">
-                <a:solidFill>
-                  <a:srgbClr val="000000"/>
-                </a:solidFill>
-                <a:effectLst/>
-                <a:ea typeface="+mn-ea"/>
-                <a:cs typeface="Arial" panose="020B0604020202020204" pitchFamily="34" charset="0"/>
-              </a:rPr>
-              <a:t>This approach basically deals with the record of leaves taken by faculty members and students in the organisation</a:t>
-            </a:r>
-            <a:endParaRPr lang="en-IN" sz="2400" dirty="0">
-              <a:effectLst/>
-            </a:endParaRPr>
-          </a:p>
-          <a:p>
-            <a:pPr marL="285750" indent="-285750" algn="l">
-              <a:buFont typeface="Wingdings 3" panose="05040102010807070707" pitchFamily="18" charset="2"/>
-              <a:buChar char=""/>
-            </a:pPr>
-            <a:endParaRPr lang="en-IN" dirty="0"/>
+            <a:r>
+              <a:rPr lang="en-IN" sz="2400" dirty="0"/>
+              <a:t>This project will enhance the employee and the company to serve more quickly and efficiently. This software is developed in order to computerize the activities which take more time, if done manually.</a:t>
+            </a:r>
+          </a:p>
+          <a:p>
+            <a:endParaRPr lang="en-IN" sz="2400" dirty="0"/>
+          </a:p>
+          <a:p>
+            <a:r>
+              <a:rPr lang="en-IN" sz="2400" dirty="0"/>
+              <a:t>Leave Management system will enable the employee and company staff to make things faster and can get information quickly. If we want any information about employee, we can access it quickly.</a:t>
+            </a:r>
           </a:p>
         </p:txBody>
       </p:sp>
     </p:spTree>
     <p:extLst>
       <p:ext uri="{BB962C8B-B14F-4D97-AF65-F5344CB8AC3E}">
-        <p14:creationId xmlns:p14="http://schemas.microsoft.com/office/powerpoint/2010/main" val="4157073929"/>
+        <p14:creationId xmlns:p14="http://schemas.microsoft.com/office/powerpoint/2010/main" val="4140585593"/>
+      </p:ext>
+    </p:extLst>
+  </p:cSld>
+  <p:clrMapOvr>
+    <a:masterClrMapping/>
+  </p:clrMapOvr>
+</p:sld>
+</file>
+
+<file path=ppt/slides/slide12.xml><?xml version="1.0" encoding="utf-8"?>
+<p:sld xmlns:a="http://schemas.openxmlformats.org/drawingml/2006/main" xmlns:r="http://schemas.openxmlformats.org/officeDocument/2006/relationships" xmlns:p="http://schemas.openxmlformats.org/presentationml/2006/main">
+  <p:cSld>
+    <p:spTree>
+      <p:nvGrpSpPr>
+        <p:cNvPr id="1" name=""/>
+        <p:cNvGrpSpPr/>
+        <p:nvPr/>
+      </p:nvGrpSpPr>
+      <p:grpSpPr>
+        <a:xfrm>
+          <a:off x="0" y="0"/>
+          <a:ext cx="0" cy="0"/>
+          <a:chOff x="0" y="0"/>
+          <a:chExt cx="0" cy="0"/>
+        </a:xfrm>
+      </p:grpSpPr>
+      <p:sp>
+        <p:nvSpPr>
+          <p:cNvPr id="2" name="Title 1">
+            <a:extLst>
+              <a:ext uri="{FF2B5EF4-FFF2-40B4-BE49-F238E27FC236}">
+                <a16:creationId xmlns:a16="http://schemas.microsoft.com/office/drawing/2014/main" id="{E85B64A3-2DA0-610D-19BC-8E447F914BDD}"/>
+              </a:ext>
+            </a:extLst>
+          </p:cNvPr>
+          <p:cNvSpPr>
+            <a:spLocks noGrp="1"/>
+          </p:cNvSpPr>
+          <p:nvPr>
+            <p:ph type="title"/>
+          </p:nvPr>
+        </p:nvSpPr>
+        <p:spPr/>
+        <p:txBody>
+          <a:bodyPr>
+            <a:normAutofit/>
+          </a:bodyPr>
+          <a:lstStyle/>
+          <a:p>
+            <a:r>
+              <a:rPr lang="en-IN" sz="4400" dirty="0"/>
+              <a:t>CONCLUSION</a:t>
+            </a:r>
+          </a:p>
+        </p:txBody>
+      </p:sp>
+      <p:sp>
+        <p:nvSpPr>
+          <p:cNvPr id="3" name="Content Placeholder 2">
+            <a:extLst>
+              <a:ext uri="{FF2B5EF4-FFF2-40B4-BE49-F238E27FC236}">
+                <a16:creationId xmlns:a16="http://schemas.microsoft.com/office/drawing/2014/main" id="{87F60B77-F509-330C-0BAB-68A84C016F85}"/>
+              </a:ext>
+            </a:extLst>
+          </p:cNvPr>
+          <p:cNvSpPr>
+            <a:spLocks noGrp="1"/>
+          </p:cNvSpPr>
+          <p:nvPr>
+            <p:ph idx="1"/>
+          </p:nvPr>
+        </p:nvSpPr>
+        <p:spPr/>
+        <p:txBody>
+          <a:bodyPr>
+            <a:normAutofit/>
+          </a:bodyPr>
+          <a:lstStyle/>
+          <a:p>
+            <a:r>
+              <a:rPr lang="en-IN" sz="2400" dirty="0"/>
+              <a:t>Leave Management System is very useful for organizations to maintain the leave records of the employees. This system not only maintains the leaves of the employees, it also maintains the details of the staffs.</a:t>
+            </a:r>
+          </a:p>
+          <a:p>
+            <a:endParaRPr lang="en-IN" sz="2400" dirty="0"/>
+          </a:p>
+          <a:p>
+            <a:r>
+              <a:rPr lang="en-IN" sz="2400" dirty="0"/>
+              <a:t>The higher may accept or reject the leaves requested by the staff. Thus this system maintains the excess amount of job done by organizations to maintain the leaves.</a:t>
+            </a:r>
+          </a:p>
+        </p:txBody>
+      </p:sp>
+    </p:spTree>
+    <p:extLst>
+      <p:ext uri="{BB962C8B-B14F-4D97-AF65-F5344CB8AC3E}">
+        <p14:creationId xmlns:p14="http://schemas.microsoft.com/office/powerpoint/2010/main" val="3385183725"/>
       </p:ext>
     </p:extLst>
   </p:cSld>
@@ -5982,10 +6841,10 @@
       </p:grpSpPr>
       <p:sp>
         <p:nvSpPr>
-          <p:cNvPr id="2" name="Title 1">
+          <p:cNvPr id="6" name="Title 5">
             <a:extLst>
               <a:ext uri="{FF2B5EF4-FFF2-40B4-BE49-F238E27FC236}">
-                <a16:creationId xmlns:a16="http://schemas.microsoft.com/office/drawing/2014/main" id="{0A403D27-C0D8-D9AB-6A6C-EBA39719E833}"/>
+                <a16:creationId xmlns:a16="http://schemas.microsoft.com/office/drawing/2014/main" id="{74D2655C-15CD-8C6F-7D50-154B45E0834F}"/>
               </a:ext>
             </a:extLst>
           </p:cNvPr>
@@ -5993,34 +6852,34 @@
             <a:spLocks noGrp="1"/>
           </p:cNvSpPr>
           <p:nvPr>
-            <p:ph type="title"/>
+            <p:ph type="ctrTitle"/>
           </p:nvPr>
         </p:nvSpPr>
         <p:spPr>
           <a:xfrm>
-            <a:off x="677334" y="1754678"/>
-            <a:ext cx="8596668" cy="776140"/>
+            <a:off x="847191" y="1159497"/>
+            <a:ext cx="7766936" cy="826170"/>
           </a:xfrm>
         </p:spPr>
         <p:txBody>
-          <a:bodyPr>
-            <a:normAutofit/>
-          </a:bodyPr>
+          <a:bodyPr/>
           <a:lstStyle/>
           <a:p>
-            <a:r>
-              <a:rPr lang="en-IN" dirty="0"/>
-              <a:t>OBJECTIVE OF THE PROJECT</a:t>
-            </a:r>
-          </a:p>
-        </p:txBody>
-      </p:sp>
-      <p:sp>
-        <p:nvSpPr>
-          <p:cNvPr id="3" name="Content Placeholder 2">
+            <a:pPr algn="l"/>
+            <a:r>
+              <a:rPr lang="en-IN" sz="3600" dirty="0"/>
+              <a:t>INTRODUCTION</a:t>
+            </a:r>
+            <a:endParaRPr lang="en-IN" dirty="0"/>
+          </a:p>
+        </p:txBody>
+      </p:sp>
+      <p:sp>
+        <p:nvSpPr>
+          <p:cNvPr id="7" name="Subtitle 6">
             <a:extLst>
               <a:ext uri="{FF2B5EF4-FFF2-40B4-BE49-F238E27FC236}">
-                <a16:creationId xmlns:a16="http://schemas.microsoft.com/office/drawing/2014/main" id="{58B2A585-37BF-7A2F-85D2-0467DE618FE5}"/>
+                <a16:creationId xmlns:a16="http://schemas.microsoft.com/office/drawing/2014/main" id="{09668771-F8FC-DE92-4F0E-F0F8A05E3BFD}"/>
               </a:ext>
             </a:extLst>
           </p:cNvPr>
@@ -6028,32 +6887,82 @@
             <a:spLocks noGrp="1"/>
           </p:cNvSpPr>
           <p:nvPr>
-            <p:ph idx="1"/>
+            <p:ph type="subTitle" idx="1"/>
           </p:nvPr>
         </p:nvSpPr>
         <p:spPr>
           <a:xfrm>
-            <a:off x="677334" y="2895879"/>
-            <a:ext cx="8596668" cy="1515865"/>
+            <a:off x="847191" y="2476556"/>
+            <a:ext cx="8966112" cy="2576211"/>
           </a:xfrm>
         </p:spPr>
         <p:txBody>
           <a:bodyPr>
-            <a:normAutofit/>
+            <a:normAutofit fontScale="92500"/>
           </a:bodyPr>
           <a:lstStyle/>
           <a:p>
-            <a:r>
-              <a:rPr lang="en-IN" sz="2400" dirty="0"/>
-              <a:t>The main objective of the proposed system is to decrease the paper work and easier record maintenance by having a particular website for leaves maintenance.</a:t>
-            </a:r>
+            <a:pPr marL="342900" indent="-342900" algn="l">
+              <a:buFont typeface="Wingdings 3" panose="05040102010807070707" pitchFamily="18" charset="2"/>
+              <a:buChar char=""/>
+            </a:pPr>
+            <a:r>
+              <a:rPr lang="en-IN" sz="2400" kern="1200" dirty="0">
+                <a:solidFill>
+                  <a:srgbClr val="000000"/>
+                </a:solidFill>
+                <a:effectLst/>
+                <a:ea typeface="+mn-ea"/>
+                <a:cs typeface="Arial" panose="020B0604020202020204" pitchFamily="34" charset="0"/>
+              </a:rPr>
+              <a:t>The main objective of the system is to computerize the maintenance of the employee details and leave section in the company. It also includes the details about the employee personal.</a:t>
+            </a:r>
+          </a:p>
+          <a:p>
+            <a:pPr marL="342900" indent="-342900" algn="l">
+              <a:buFont typeface="Wingdings 3" panose="05040102010807070707" pitchFamily="18" charset="2"/>
+              <a:buChar char=""/>
+            </a:pPr>
+            <a:endParaRPr lang="en-IN" sz="2400" dirty="0">
+              <a:solidFill>
+                <a:srgbClr val="000000"/>
+              </a:solidFill>
+              <a:cs typeface="Arial" panose="020B0604020202020204" pitchFamily="34" charset="0"/>
+            </a:endParaRPr>
+          </a:p>
+          <a:p>
+            <a:pPr marL="342900" indent="-342900" algn="l">
+              <a:buFont typeface="Wingdings 3" panose="05040102010807070707" pitchFamily="18" charset="2"/>
+              <a:buChar char=""/>
+            </a:pPr>
+            <a:r>
+              <a:rPr lang="en-IN" sz="2400" kern="1200" dirty="0">
+                <a:solidFill>
+                  <a:srgbClr val="000000"/>
+                </a:solidFill>
+                <a:effectLst/>
+                <a:ea typeface="+mn-ea"/>
+                <a:cs typeface="Arial" panose="020B0604020202020204" pitchFamily="34" charset="0"/>
+              </a:rPr>
+              <a:t>This approach basically deals with the record of leaves taken by faculty members and students in the organisation</a:t>
+            </a:r>
+            <a:endParaRPr lang="en-IN" sz="2400" dirty="0">
+              <a:effectLst/>
+            </a:endParaRPr>
+          </a:p>
+          <a:p>
+            <a:pPr marL="285750" indent="-285750" algn="l">
+              <a:buFont typeface="Wingdings 3" panose="05040102010807070707" pitchFamily="18" charset="2"/>
+              <a:buChar char=""/>
+            </a:pPr>
+            <a:endParaRPr lang="en-IN" dirty="0"/>
           </a:p>
         </p:txBody>
       </p:sp>
     </p:spTree>
     <p:extLst>
       <p:ext uri="{BB962C8B-B14F-4D97-AF65-F5344CB8AC3E}">
-        <p14:creationId xmlns:p14="http://schemas.microsoft.com/office/powerpoint/2010/main" val="3832525517"/>
+        <p14:creationId xmlns:p14="http://schemas.microsoft.com/office/powerpoint/2010/main" val="4157073929"/>
       </p:ext>
     </p:extLst>
   </p:cSld>
@@ -6085,7 +6994,7 @@
           <p:cNvPr id="2" name="Title 1">
             <a:extLst>
               <a:ext uri="{FF2B5EF4-FFF2-40B4-BE49-F238E27FC236}">
-                <a16:creationId xmlns:a16="http://schemas.microsoft.com/office/drawing/2014/main" id="{C155DA4F-F00A-38AE-78D9-D7FC3873B6BA}"/>
+                <a16:creationId xmlns:a16="http://schemas.microsoft.com/office/drawing/2014/main" id="{0A403D27-C0D8-D9AB-6A6C-EBA39719E833}"/>
               </a:ext>
             </a:extLst>
           </p:cNvPr>
@@ -6098,20 +7007,54 @@
         </p:nvSpPr>
         <p:spPr>
           <a:xfrm>
-            <a:off x="1082686" y="650449"/>
-            <a:ext cx="8596668" cy="5401559"/>
+            <a:off x="677334" y="1754678"/>
+            <a:ext cx="8596668" cy="776140"/>
           </a:xfrm>
         </p:spPr>
         <p:txBody>
           <a:bodyPr>
-            <a:noAutofit/>
+            <a:normAutofit/>
           </a:bodyPr>
           <a:lstStyle/>
           <a:p>
-            <a:pPr algn="ctr"/>
-            <a:r>
-              <a:rPr lang="en-IN" sz="11500" b="1" dirty="0"/>
-              <a:t>STRUCTURE OF THE PROJECT</a:t>
+            <a:r>
+              <a:rPr lang="en-IN" dirty="0"/>
+              <a:t>OBJECTIVE OF THE PROJECT</a:t>
+            </a:r>
+          </a:p>
+        </p:txBody>
+      </p:sp>
+      <p:sp>
+        <p:nvSpPr>
+          <p:cNvPr id="3" name="Content Placeholder 2">
+            <a:extLst>
+              <a:ext uri="{FF2B5EF4-FFF2-40B4-BE49-F238E27FC236}">
+                <a16:creationId xmlns:a16="http://schemas.microsoft.com/office/drawing/2014/main" id="{58B2A585-37BF-7A2F-85D2-0467DE618FE5}"/>
+              </a:ext>
+            </a:extLst>
+          </p:cNvPr>
+          <p:cNvSpPr>
+            <a:spLocks noGrp="1"/>
+          </p:cNvSpPr>
+          <p:nvPr>
+            <p:ph idx="1"/>
+          </p:nvPr>
+        </p:nvSpPr>
+        <p:spPr>
+          <a:xfrm>
+            <a:off x="677334" y="2895879"/>
+            <a:ext cx="8596668" cy="1515865"/>
+          </a:xfrm>
+        </p:spPr>
+        <p:txBody>
+          <a:bodyPr>
+            <a:normAutofit/>
+          </a:bodyPr>
+          <a:lstStyle/>
+          <a:p>
+            <a:r>
+              <a:rPr lang="en-IN" sz="2400" dirty="0"/>
+              <a:t>The main objective of the proposed system is to decrease the paper work and easier record maintenance by having a particular website for leaves maintenance.</a:t>
             </a:r>
           </a:p>
         </p:txBody>
@@ -6119,7 +7062,7 @@
     </p:spTree>
     <p:extLst>
       <p:ext uri="{BB962C8B-B14F-4D97-AF65-F5344CB8AC3E}">
-        <p14:creationId xmlns:p14="http://schemas.microsoft.com/office/powerpoint/2010/main" val="2013695674"/>
+        <p14:creationId xmlns:p14="http://schemas.microsoft.com/office/powerpoint/2010/main" val="3832525517"/>
       </p:ext>
     </p:extLst>
   </p:cSld>
@@ -6146,12 +7089,99 @@
           <a:chExt cx="0" cy="0"/>
         </a:xfrm>
       </p:grpSpPr>
+      <p:pic>
+        <p:nvPicPr>
+          <p:cNvPr id="12" name="Picture 11">
+            <a:extLst>
+              <a:ext uri="{FF2B5EF4-FFF2-40B4-BE49-F238E27FC236}">
+                <a16:creationId xmlns:a16="http://schemas.microsoft.com/office/drawing/2014/main" id="{0D101968-D2D3-3581-8C57-B4D45B4E2975}"/>
+              </a:ext>
+            </a:extLst>
+          </p:cNvPr>
+          <p:cNvPicPr>
+            <a:picLocks noChangeAspect="1"/>
+          </p:cNvPicPr>
+          <p:nvPr/>
+        </p:nvPicPr>
+        <p:blipFill rotWithShape="1">
+          <a:blip r:embed="rId2"/>
+          <a:srcRect l="6522" t="11957" r="6347" b="9261"/>
+          <a:stretch/>
+        </p:blipFill>
+        <p:spPr>
+          <a:xfrm>
+            <a:off x="6400800" y="4016373"/>
+            <a:ext cx="3181350" cy="1438275"/>
+          </a:xfrm>
+          <a:prstGeom prst="rect">
+            <a:avLst/>
+          </a:prstGeom>
+        </p:spPr>
+      </p:pic>
+      <p:pic>
+        <p:nvPicPr>
+          <p:cNvPr id="11" name="Picture 10">
+            <a:extLst>
+              <a:ext uri="{FF2B5EF4-FFF2-40B4-BE49-F238E27FC236}">
+                <a16:creationId xmlns:a16="http://schemas.microsoft.com/office/drawing/2014/main" id="{63413F97-7AE2-1824-A79F-53DFAC107185}"/>
+              </a:ext>
+            </a:extLst>
+          </p:cNvPr>
+          <p:cNvPicPr>
+            <a:picLocks noChangeAspect="1"/>
+          </p:cNvPicPr>
+          <p:nvPr/>
+        </p:nvPicPr>
+        <p:blipFill rotWithShape="1">
+          <a:blip r:embed="rId3"/>
+          <a:srcRect l="28300" t="12759" r="23600" b="6468"/>
+          <a:stretch/>
+        </p:blipFill>
+        <p:spPr>
+          <a:xfrm>
+            <a:off x="6781406" y="1687511"/>
+            <a:ext cx="2685218" cy="1893889"/>
+          </a:xfrm>
+          <a:prstGeom prst="rect">
+            <a:avLst/>
+          </a:prstGeom>
+        </p:spPr>
+      </p:pic>
+      <p:pic>
+        <p:nvPicPr>
+          <p:cNvPr id="10" name="Picture 9">
+            <a:extLst>
+              <a:ext uri="{FF2B5EF4-FFF2-40B4-BE49-F238E27FC236}">
+                <a16:creationId xmlns:a16="http://schemas.microsoft.com/office/drawing/2014/main" id="{71B90851-DEE3-C426-EC38-13A92CE0F289}"/>
+              </a:ext>
+            </a:extLst>
+          </p:cNvPr>
+          <p:cNvPicPr>
+            <a:picLocks noChangeAspect="1"/>
+          </p:cNvPicPr>
+          <p:nvPr/>
+        </p:nvPicPr>
+        <p:blipFill rotWithShape="1">
+          <a:blip r:embed="rId4"/>
+          <a:srcRect l="20077" t="17010" r="18919" b="17526"/>
+          <a:stretch/>
+        </p:blipFill>
+        <p:spPr>
+          <a:xfrm>
+            <a:off x="3972623" y="5150645"/>
+            <a:ext cx="2085599" cy="1676400"/>
+          </a:xfrm>
+          <a:prstGeom prst="rect">
+            <a:avLst/>
+          </a:prstGeom>
+        </p:spPr>
+      </p:pic>
       <p:sp>
         <p:nvSpPr>
           <p:cNvPr id="2" name="Title 1">
             <a:extLst>
               <a:ext uri="{FF2B5EF4-FFF2-40B4-BE49-F238E27FC236}">
-                <a16:creationId xmlns:a16="http://schemas.microsoft.com/office/drawing/2014/main" id="{0223BD36-8AB8-90EF-F585-127DDAC0D786}"/>
+                <a16:creationId xmlns:a16="http://schemas.microsoft.com/office/drawing/2014/main" id="{877C0473-A58B-D993-1365-D297058F343C}"/>
               </a:ext>
             </a:extLst>
           </p:cNvPr>
@@ -6164,8 +7194,8 @@
         </p:nvSpPr>
         <p:spPr>
           <a:xfrm>
-            <a:off x="1064819" y="1523999"/>
-            <a:ext cx="8596668" cy="681872"/>
+            <a:off x="677334" y="85330"/>
+            <a:ext cx="8596668" cy="1320800"/>
           </a:xfrm>
         </p:spPr>
         <p:txBody>
@@ -6174,56 +7204,197 @@
           <a:p>
             <a:r>
               <a:rPr lang="en-IN" dirty="0"/>
-              <a:t>Admin	</a:t>
-            </a:r>
-          </a:p>
-        </p:txBody>
-      </p:sp>
-      <p:sp>
-        <p:nvSpPr>
-          <p:cNvPr id="3" name="Content Placeholder 2">
+              <a:t>TOOLS AND TECHNOLOGIES USED</a:t>
+            </a:r>
+          </a:p>
+        </p:txBody>
+      </p:sp>
+      <p:pic>
+        <p:nvPicPr>
+          <p:cNvPr id="5" name="Content Placeholder 4">
             <a:extLst>
               <a:ext uri="{FF2B5EF4-FFF2-40B4-BE49-F238E27FC236}">
-                <a16:creationId xmlns:a16="http://schemas.microsoft.com/office/drawing/2014/main" id="{9D87F8A5-D91D-1AFB-7F00-93DCBFA303D3}"/>
+                <a16:creationId xmlns:a16="http://schemas.microsoft.com/office/drawing/2014/main" id="{FEB4DAA1-B10C-F728-ABA3-DF685B1D177E}"/>
               </a:ext>
             </a:extLst>
           </p:cNvPr>
-          <p:cNvSpPr>
-            <a:spLocks noGrp="1"/>
-          </p:cNvSpPr>
+          <p:cNvPicPr>
+            <a:picLocks noGrp="1" noChangeAspect="1"/>
+          </p:cNvPicPr>
           <p:nvPr>
             <p:ph idx="1"/>
           </p:nvPr>
-        </p:nvSpPr>
+        </p:nvPicPr>
+        <p:blipFill>
+          <a:blip r:embed="rId5"/>
+          <a:stretch>
+            <a:fillRect/>
+          </a:stretch>
+        </p:blipFill>
         <p:spPr>
           <a:xfrm>
-            <a:off x="677333" y="2570658"/>
-            <a:ext cx="9371639" cy="1958924"/>
+            <a:off x="787600" y="2019300"/>
+            <a:ext cx="2819400" cy="2819400"/>
           </a:xfrm>
+          <a:prstGeom prst="rect">
+            <a:avLst/>
+          </a:prstGeom>
         </p:spPr>
-        <p:txBody>
-          <a:bodyPr>
-            <a:normAutofit lnSpcReduction="10000"/>
+      </p:pic>
+      <p:sp>
+        <p:nvSpPr>
+          <p:cNvPr id="6" name="AutoShape 4" descr="HTML5 Logo transparent PNG - StickPNG">
+            <a:extLst>
+              <a:ext uri="{FF2B5EF4-FFF2-40B4-BE49-F238E27FC236}">
+                <a16:creationId xmlns:a16="http://schemas.microsoft.com/office/drawing/2014/main" id="{0313A8D8-729D-A62B-E3F0-645110C3C7AE}"/>
+              </a:ext>
+            </a:extLst>
+          </p:cNvPr>
+          <p:cNvSpPr>
+            <a:spLocks noChangeAspect="1" noChangeArrowheads="1"/>
+          </p:cNvSpPr>
+          <p:nvPr/>
+        </p:nvSpPr>
+        <p:spPr bwMode="auto">
+          <a:xfrm>
+            <a:off x="5943600" y="3276600"/>
+            <a:ext cx="304800" cy="304800"/>
+          </a:xfrm>
+          <a:prstGeom prst="rect">
+            <a:avLst/>
+          </a:prstGeom>
+          <a:noFill/>
+          <a:extLst>
+            <a:ext uri="{909E8E84-426E-40DD-AFC4-6F175D3DCCD1}">
+              <a14:hiddenFill xmlns:a14="http://schemas.microsoft.com/office/drawing/2010/main">
+                <a:solidFill>
+                  <a:srgbClr val="FFFFFF"/>
+                </a:solidFill>
+              </a14:hiddenFill>
+            </a:ext>
+          </a:extLst>
+        </p:spPr>
+        <p:txBody>
+          <a:bodyPr vert="horz" wrap="square" lIns="91440" tIns="45720" rIns="91440" bIns="45720" numCol="1" anchor="t" anchorCtr="0" compatLnSpc="1">
+            <a:prstTxWarp prst="textNoShape">
+              <a:avLst/>
+            </a:prstTxWarp>
           </a:bodyPr>
           <a:lstStyle/>
           <a:p>
-            <a:r>
-              <a:rPr lang="en-IN" sz="2400" dirty="0"/>
-              <a:t>The initial step which is handled by the admin module is to create a unique account for each employee or faculty member in the organization.</a:t>
-            </a:r>
-          </a:p>
-          <a:p>
-            <a:r>
-              <a:rPr lang="en-IN" sz="2400" dirty="0"/>
-              <a:t>This module handles the administrative functions of the system and is used by the head of the department.</a:t>
-            </a:r>
-          </a:p>
-        </p:txBody>
-      </p:sp>
+            <a:endParaRPr lang="en-IN"/>
+          </a:p>
+        </p:txBody>
+      </p:sp>
+      <p:pic>
+        <p:nvPicPr>
+          <p:cNvPr id="7" name="Picture 6">
+            <a:extLst>
+              <a:ext uri="{FF2B5EF4-FFF2-40B4-BE49-F238E27FC236}">
+                <a16:creationId xmlns:a16="http://schemas.microsoft.com/office/drawing/2014/main" id="{DC3B26B0-3B85-B2A4-7310-80278E71E2BC}"/>
+              </a:ext>
+            </a:extLst>
+          </p:cNvPr>
+          <p:cNvPicPr>
+            <a:picLocks noChangeAspect="1"/>
+          </p:cNvPicPr>
+          <p:nvPr/>
+        </p:nvPicPr>
+        <p:blipFill>
+          <a:blip r:embed="rId6"/>
+          <a:stretch>
+            <a:fillRect/>
+          </a:stretch>
+        </p:blipFill>
+        <p:spPr>
+          <a:xfrm>
+            <a:off x="3918393" y="1155699"/>
+            <a:ext cx="2114550" cy="2114550"/>
+          </a:xfrm>
+          <a:prstGeom prst="rect">
+            <a:avLst/>
+          </a:prstGeom>
+        </p:spPr>
+      </p:pic>
+      <p:sp>
+        <p:nvSpPr>
+          <p:cNvPr id="8" name="AutoShape 6" descr="CSS3 Logo PNG Transparent &amp; SVG Vector - Freebie Supply">
+            <a:extLst>
+              <a:ext uri="{FF2B5EF4-FFF2-40B4-BE49-F238E27FC236}">
+                <a16:creationId xmlns:a16="http://schemas.microsoft.com/office/drawing/2014/main" id="{9FD02779-6A01-8BE8-1B24-1525444AB764}"/>
+              </a:ext>
+            </a:extLst>
+          </p:cNvPr>
+          <p:cNvSpPr>
+            <a:spLocks noChangeAspect="1" noChangeArrowheads="1"/>
+          </p:cNvSpPr>
+          <p:nvPr/>
+        </p:nvSpPr>
+        <p:spPr bwMode="auto">
+          <a:xfrm>
+            <a:off x="6096000" y="3429000"/>
+            <a:ext cx="304800" cy="304800"/>
+          </a:xfrm>
+          <a:prstGeom prst="rect">
+            <a:avLst/>
+          </a:prstGeom>
+          <a:noFill/>
+          <a:extLst>
+            <a:ext uri="{909E8E84-426E-40DD-AFC4-6F175D3DCCD1}">
+              <a14:hiddenFill xmlns:a14="http://schemas.microsoft.com/office/drawing/2010/main">
+                <a:solidFill>
+                  <a:srgbClr val="FFFFFF"/>
+                </a:solidFill>
+              </a14:hiddenFill>
+            </a:ext>
+          </a:extLst>
+        </p:spPr>
+        <p:txBody>
+          <a:bodyPr vert="horz" wrap="square" lIns="91440" tIns="45720" rIns="91440" bIns="45720" numCol="1" anchor="t" anchorCtr="0" compatLnSpc="1">
+            <a:prstTxWarp prst="textNoShape">
+              <a:avLst/>
+            </a:prstTxWarp>
+          </a:bodyPr>
+          <a:lstStyle/>
+          <a:p>
+            <a:endParaRPr lang="en-IN"/>
+          </a:p>
+        </p:txBody>
+      </p:sp>
+      <p:pic>
+        <p:nvPicPr>
+          <p:cNvPr id="9" name="Picture 8">
+            <a:extLst>
+              <a:ext uri="{FF2B5EF4-FFF2-40B4-BE49-F238E27FC236}">
+                <a16:creationId xmlns:a16="http://schemas.microsoft.com/office/drawing/2014/main" id="{275EFF5D-B2E3-67E2-9461-DB9A0C08A488}"/>
+              </a:ext>
+            </a:extLst>
+          </p:cNvPr>
+          <p:cNvPicPr>
+            <a:picLocks noChangeAspect="1"/>
+          </p:cNvPicPr>
+          <p:nvPr/>
+        </p:nvPicPr>
+        <p:blipFill>
+          <a:blip r:embed="rId7"/>
+          <a:stretch>
+            <a:fillRect/>
+          </a:stretch>
+        </p:blipFill>
+        <p:spPr>
+          <a:xfrm>
+            <a:off x="3918393" y="3071813"/>
+            <a:ext cx="2114550" cy="2114550"/>
+          </a:xfrm>
+          <a:prstGeom prst="rect">
+            <a:avLst/>
+          </a:prstGeom>
+        </p:spPr>
+      </p:pic>
     </p:spTree>
     <p:extLst>
       <p:ext uri="{BB962C8B-B14F-4D97-AF65-F5344CB8AC3E}">
-        <p14:creationId xmlns:p14="http://schemas.microsoft.com/office/powerpoint/2010/main" val="362994755"/>
+        <p14:creationId xmlns:p14="http://schemas.microsoft.com/office/powerpoint/2010/main" val="1090586669"/>
       </p:ext>
     </p:extLst>
   </p:cSld>
@@ -6252,375 +7423,36 @@
       </p:grpSpPr>
       <p:sp>
         <p:nvSpPr>
-          <p:cNvPr id="8" name="Title 1">
+          <p:cNvPr id="2" name="Title 1">
             <a:extLst>
               <a:ext uri="{FF2B5EF4-FFF2-40B4-BE49-F238E27FC236}">
-                <a16:creationId xmlns:a16="http://schemas.microsoft.com/office/drawing/2014/main" id="{D8C2EBA4-5A94-FD13-4785-C3E23BA1CD96}"/>
+                <a16:creationId xmlns:a16="http://schemas.microsoft.com/office/drawing/2014/main" id="{C155DA4F-F00A-38AE-78D9-D7FC3873B6BA}"/>
               </a:ext>
             </a:extLst>
           </p:cNvPr>
-          <p:cNvSpPr txBox="1">
-            <a:spLocks/>
-          </p:cNvSpPr>
-          <p:nvPr/>
+          <p:cNvSpPr>
+            <a:spLocks noGrp="1"/>
+          </p:cNvSpPr>
+          <p:nvPr>
+            <p:ph type="title"/>
+          </p:nvPr>
         </p:nvSpPr>
         <p:spPr>
           <a:xfrm>
-            <a:off x="1139247" y="1335577"/>
-            <a:ext cx="8596668" cy="681872"/>
+            <a:off x="1082686" y="650449"/>
+            <a:ext cx="8596668" cy="5401559"/>
           </a:xfrm>
-          <a:prstGeom prst="rect">
-            <a:avLst/>
-          </a:prstGeom>
         </p:spPr>
         <p:txBody>
-          <a:bodyPr vert="horz" lIns="91440" tIns="45720" rIns="91440" bIns="45720" rtlCol="0" anchor="t">
-            <a:normAutofit/>
+          <a:bodyPr>
+            <a:noAutofit/>
           </a:bodyPr>
-          <a:lstStyle>
-            <a:lvl1pPr algn="l" defTabSz="457200" rtl="0" eaLnBrk="1" latinLnBrk="0" hangingPunct="1">
-              <a:spcBef>
-                <a:spcPct val="0"/>
-              </a:spcBef>
-              <a:buNone/>
-              <a:defRPr sz="3600" kern="1200">
-                <a:solidFill>
-                  <a:schemeClr val="accent1"/>
-                </a:solidFill>
-                <a:latin typeface="+mj-lt"/>
-                <a:ea typeface="+mj-ea"/>
-                <a:cs typeface="+mj-cs"/>
-              </a:defRPr>
-            </a:lvl1pPr>
-            <a:lvl2pPr eaLnBrk="1" hangingPunct="1">
-              <a:defRPr>
-                <a:solidFill>
-                  <a:schemeClr val="tx2"/>
-                </a:solidFill>
-              </a:defRPr>
-            </a:lvl2pPr>
-            <a:lvl3pPr eaLnBrk="1" hangingPunct="1">
-              <a:defRPr>
-                <a:solidFill>
-                  <a:schemeClr val="tx2"/>
-                </a:solidFill>
-              </a:defRPr>
-            </a:lvl3pPr>
-            <a:lvl4pPr eaLnBrk="1" hangingPunct="1">
-              <a:defRPr>
-                <a:solidFill>
-                  <a:schemeClr val="tx2"/>
-                </a:solidFill>
-              </a:defRPr>
-            </a:lvl4pPr>
-            <a:lvl5pPr eaLnBrk="1" hangingPunct="1">
-              <a:defRPr>
-                <a:solidFill>
-                  <a:schemeClr val="tx2"/>
-                </a:solidFill>
-              </a:defRPr>
-            </a:lvl5pPr>
-            <a:lvl6pPr eaLnBrk="1" hangingPunct="1">
-              <a:defRPr>
-                <a:solidFill>
-                  <a:schemeClr val="tx2"/>
-                </a:solidFill>
-              </a:defRPr>
-            </a:lvl6pPr>
-            <a:lvl7pPr eaLnBrk="1" hangingPunct="1">
-              <a:defRPr>
-                <a:solidFill>
-                  <a:schemeClr val="tx2"/>
-                </a:solidFill>
-              </a:defRPr>
-            </a:lvl7pPr>
-            <a:lvl8pPr eaLnBrk="1" hangingPunct="1">
-              <a:defRPr>
-                <a:solidFill>
-                  <a:schemeClr val="tx2"/>
-                </a:solidFill>
-              </a:defRPr>
-            </a:lvl8pPr>
-            <a:lvl9pPr eaLnBrk="1" hangingPunct="1">
-              <a:defRPr>
-                <a:solidFill>
-                  <a:schemeClr val="tx2"/>
-                </a:solidFill>
-              </a:defRPr>
-            </a:lvl9pPr>
-          </a:lstStyle>
-          <a:p>
-            <a:r>
-              <a:rPr lang="en-IN" dirty="0"/>
-              <a:t>Employee	</a:t>
-            </a:r>
-          </a:p>
-        </p:txBody>
-      </p:sp>
-      <p:sp>
-        <p:nvSpPr>
-          <p:cNvPr id="9" name="Content Placeholder 2">
-            <a:extLst>
-              <a:ext uri="{FF2B5EF4-FFF2-40B4-BE49-F238E27FC236}">
-                <a16:creationId xmlns:a16="http://schemas.microsoft.com/office/drawing/2014/main" id="{FF3358EA-177E-5D1D-971D-47C68800234F}"/>
-              </a:ext>
-            </a:extLst>
-          </p:cNvPr>
-          <p:cNvSpPr txBox="1">
-            <a:spLocks/>
-          </p:cNvSpPr>
-          <p:nvPr/>
-        </p:nvSpPr>
-        <p:spPr>
-          <a:xfrm>
-            <a:off x="751761" y="2481494"/>
-            <a:ext cx="9371640" cy="2550735"/>
-          </a:xfrm>
-          <a:prstGeom prst="rect">
-            <a:avLst/>
-          </a:prstGeom>
-        </p:spPr>
-        <p:txBody>
-          <a:bodyPr vert="horz" lIns="91440" tIns="45720" rIns="91440" bIns="45720" rtlCol="0">
-            <a:normAutofit/>
-          </a:bodyPr>
-          <a:lstStyle>
-            <a:lvl1pPr marL="342900" indent="-342900" algn="l" defTabSz="457200" rtl="0" eaLnBrk="1" latinLnBrk="0" hangingPunct="1">
-              <a:spcBef>
-                <a:spcPts val="1000"/>
-              </a:spcBef>
-              <a:spcAft>
-                <a:spcPts val="0"/>
-              </a:spcAft>
-              <a:buClr>
-                <a:schemeClr val="accent1"/>
-              </a:buClr>
-              <a:buSzPct val="80000"/>
-              <a:buFont typeface="Wingdings 3" charset="2"/>
-              <a:buChar char=""/>
-              <a:defRPr sz="1800" kern="1200">
-                <a:solidFill>
-                  <a:schemeClr val="tx1">
-                    <a:lumMod val="75000"/>
-                    <a:lumOff val="25000"/>
-                  </a:schemeClr>
-                </a:solidFill>
-                <a:latin typeface="+mn-lt"/>
-                <a:ea typeface="+mn-ea"/>
-                <a:cs typeface="+mn-cs"/>
-              </a:defRPr>
-            </a:lvl1pPr>
-            <a:lvl2pPr marL="742950" indent="-285750" algn="l" defTabSz="457200" rtl="0" eaLnBrk="1" latinLnBrk="0" hangingPunct="1">
-              <a:spcBef>
-                <a:spcPts val="1000"/>
-              </a:spcBef>
-              <a:spcAft>
-                <a:spcPts val="0"/>
-              </a:spcAft>
-              <a:buClr>
-                <a:schemeClr val="accent1"/>
-              </a:buClr>
-              <a:buSzPct val="80000"/>
-              <a:buFont typeface="Wingdings 3" charset="2"/>
-              <a:buChar char=""/>
-              <a:defRPr sz="1600" kern="1200">
-                <a:solidFill>
-                  <a:schemeClr val="tx1">
-                    <a:lumMod val="75000"/>
-                    <a:lumOff val="25000"/>
-                  </a:schemeClr>
-                </a:solidFill>
-                <a:latin typeface="+mn-lt"/>
-                <a:ea typeface="+mn-ea"/>
-                <a:cs typeface="+mn-cs"/>
-              </a:defRPr>
-            </a:lvl2pPr>
-            <a:lvl3pPr marL="1143000" indent="-228600" algn="l" defTabSz="457200" rtl="0" eaLnBrk="1" latinLnBrk="0" hangingPunct="1">
-              <a:spcBef>
-                <a:spcPts val="1000"/>
-              </a:spcBef>
-              <a:spcAft>
-                <a:spcPts val="0"/>
-              </a:spcAft>
-              <a:buClr>
-                <a:schemeClr val="accent1"/>
-              </a:buClr>
-              <a:buSzPct val="80000"/>
-              <a:buFont typeface="Wingdings 3" charset="2"/>
-              <a:buChar char=""/>
-              <a:defRPr sz="1400" kern="1200">
-                <a:solidFill>
-                  <a:schemeClr val="tx1">
-                    <a:lumMod val="75000"/>
-                    <a:lumOff val="25000"/>
-                  </a:schemeClr>
-                </a:solidFill>
-                <a:latin typeface="+mn-lt"/>
-                <a:ea typeface="+mn-ea"/>
-                <a:cs typeface="+mn-cs"/>
-              </a:defRPr>
-            </a:lvl3pPr>
-            <a:lvl4pPr marL="1600200" indent="-228600" algn="l" defTabSz="457200" rtl="0" eaLnBrk="1" latinLnBrk="0" hangingPunct="1">
-              <a:spcBef>
-                <a:spcPts val="1000"/>
-              </a:spcBef>
-              <a:spcAft>
-                <a:spcPts val="0"/>
-              </a:spcAft>
-              <a:buClr>
-                <a:schemeClr val="accent1"/>
-              </a:buClr>
-              <a:buSzPct val="80000"/>
-              <a:buFont typeface="Wingdings 3" charset="2"/>
-              <a:buChar char=""/>
-              <a:defRPr sz="1200" kern="1200">
-                <a:solidFill>
-                  <a:schemeClr val="tx1">
-                    <a:lumMod val="75000"/>
-                    <a:lumOff val="25000"/>
-                  </a:schemeClr>
-                </a:solidFill>
-                <a:latin typeface="+mn-lt"/>
-                <a:ea typeface="+mn-ea"/>
-                <a:cs typeface="+mn-cs"/>
-              </a:defRPr>
-            </a:lvl4pPr>
-            <a:lvl5pPr marL="2057400" indent="-228600" algn="l" defTabSz="457200" rtl="0" eaLnBrk="1" latinLnBrk="0" hangingPunct="1">
-              <a:spcBef>
-                <a:spcPts val="1000"/>
-              </a:spcBef>
-              <a:spcAft>
-                <a:spcPts val="0"/>
-              </a:spcAft>
-              <a:buClr>
-                <a:schemeClr val="accent1"/>
-              </a:buClr>
-              <a:buSzPct val="80000"/>
-              <a:buFont typeface="Wingdings 3" charset="2"/>
-              <a:buChar char=""/>
-              <a:defRPr sz="1200" kern="1200">
-                <a:solidFill>
-                  <a:schemeClr val="tx1">
-                    <a:lumMod val="75000"/>
-                    <a:lumOff val="25000"/>
-                  </a:schemeClr>
-                </a:solidFill>
-                <a:latin typeface="+mn-lt"/>
-                <a:ea typeface="+mn-ea"/>
-                <a:cs typeface="+mn-cs"/>
-              </a:defRPr>
-            </a:lvl5pPr>
-            <a:lvl6pPr marL="2514600" indent="-228600" algn="l" defTabSz="457200" rtl="0" eaLnBrk="1" latinLnBrk="0" hangingPunct="1">
-              <a:spcBef>
-                <a:spcPts val="1000"/>
-              </a:spcBef>
-              <a:spcAft>
-                <a:spcPts val="0"/>
-              </a:spcAft>
-              <a:buClr>
-                <a:schemeClr val="accent1"/>
-              </a:buClr>
-              <a:buSzPct val="80000"/>
-              <a:buFont typeface="Wingdings 3" charset="2"/>
-              <a:buChar char=""/>
-              <a:defRPr sz="1200" kern="1200">
-                <a:solidFill>
-                  <a:schemeClr val="tx1">
-                    <a:lumMod val="75000"/>
-                    <a:lumOff val="25000"/>
-                  </a:schemeClr>
-                </a:solidFill>
-                <a:latin typeface="+mn-lt"/>
-                <a:ea typeface="+mn-ea"/>
-                <a:cs typeface="+mn-cs"/>
-              </a:defRPr>
-            </a:lvl6pPr>
-            <a:lvl7pPr marL="2971800" indent="-228600" algn="l" defTabSz="457200" rtl="0" eaLnBrk="1" latinLnBrk="0" hangingPunct="1">
-              <a:spcBef>
-                <a:spcPts val="1000"/>
-              </a:spcBef>
-              <a:spcAft>
-                <a:spcPts val="0"/>
-              </a:spcAft>
-              <a:buClr>
-                <a:schemeClr val="accent1"/>
-              </a:buClr>
-              <a:buSzPct val="80000"/>
-              <a:buFont typeface="Wingdings 3" charset="2"/>
-              <a:buChar char=""/>
-              <a:defRPr sz="1200" kern="1200">
-                <a:solidFill>
-                  <a:schemeClr val="tx1">
-                    <a:lumMod val="75000"/>
-                    <a:lumOff val="25000"/>
-                  </a:schemeClr>
-                </a:solidFill>
-                <a:latin typeface="+mn-lt"/>
-                <a:ea typeface="+mn-ea"/>
-                <a:cs typeface="+mn-cs"/>
-              </a:defRPr>
-            </a:lvl7pPr>
-            <a:lvl8pPr marL="3429000" indent="-228600" algn="l" defTabSz="457200" rtl="0" eaLnBrk="1" latinLnBrk="0" hangingPunct="1">
-              <a:spcBef>
-                <a:spcPts val="1000"/>
-              </a:spcBef>
-              <a:spcAft>
-                <a:spcPts val="0"/>
-              </a:spcAft>
-              <a:buClr>
-                <a:schemeClr val="accent1"/>
-              </a:buClr>
-              <a:buSzPct val="80000"/>
-              <a:buFont typeface="Wingdings 3" charset="2"/>
-              <a:buChar char=""/>
-              <a:defRPr sz="1200" kern="1200">
-                <a:solidFill>
-                  <a:schemeClr val="tx1">
-                    <a:lumMod val="75000"/>
-                    <a:lumOff val="25000"/>
-                  </a:schemeClr>
-                </a:solidFill>
-                <a:latin typeface="+mn-lt"/>
-                <a:ea typeface="+mn-ea"/>
-                <a:cs typeface="+mn-cs"/>
-              </a:defRPr>
-            </a:lvl8pPr>
-            <a:lvl9pPr marL="3886200" indent="-228600" algn="l" defTabSz="457200" rtl="0" eaLnBrk="1" latinLnBrk="0" hangingPunct="1">
-              <a:spcBef>
-                <a:spcPts val="1000"/>
-              </a:spcBef>
-              <a:spcAft>
-                <a:spcPts val="0"/>
-              </a:spcAft>
-              <a:buClr>
-                <a:schemeClr val="accent1"/>
-              </a:buClr>
-              <a:buSzPct val="80000"/>
-              <a:buFont typeface="Wingdings 3" charset="2"/>
-              <a:buChar char=""/>
-              <a:defRPr sz="1200" kern="1200">
-                <a:solidFill>
-                  <a:schemeClr val="tx1">
-                    <a:lumMod val="75000"/>
-                    <a:lumOff val="25000"/>
-                  </a:schemeClr>
-                </a:solidFill>
-                <a:latin typeface="+mn-lt"/>
-                <a:ea typeface="+mn-ea"/>
-                <a:cs typeface="+mn-cs"/>
-              </a:defRPr>
-            </a:lvl9pPr>
-          </a:lstStyle>
-          <a:p>
-            <a:r>
-              <a:rPr lang="en-IN" sz="2400" dirty="0"/>
-              <a:t>Employee can log in or log out their account for the leave application with the unique id which is provided by the admin module.</a:t>
-            </a:r>
-          </a:p>
-          <a:p>
-            <a:r>
-              <a:rPr lang="en-IN" sz="2400" dirty="0"/>
-              <a:t>Based on the availability of leave, employee can apply for leave online.</a:t>
+          <a:lstStyle/>
+          <a:p>
+            <a:pPr algn="ctr"/>
+            <a:r>
+              <a:rPr lang="en-IN" sz="11500" b="1" dirty="0"/>
+              <a:t>STRUCTURE OF THE PROJECT</a:t>
             </a:r>
           </a:p>
         </p:txBody>
@@ -6628,7 +7460,7 @@
     </p:spTree>
     <p:extLst>
       <p:ext uri="{BB962C8B-B14F-4D97-AF65-F5344CB8AC3E}">
-        <p14:creationId xmlns:p14="http://schemas.microsoft.com/office/powerpoint/2010/main" val="3507282196"/>
+        <p14:creationId xmlns:p14="http://schemas.microsoft.com/office/powerpoint/2010/main" val="2013695674"/>
       </p:ext>
     </p:extLst>
   </p:cSld>
@@ -6660,7 +7492,7 @@
           <p:cNvPr id="2" name="Title 1">
             <a:extLst>
               <a:ext uri="{FF2B5EF4-FFF2-40B4-BE49-F238E27FC236}">
-                <a16:creationId xmlns:a16="http://schemas.microsoft.com/office/drawing/2014/main" id="{AC61D05E-FAE1-5E3F-C329-8DCDE87D70A2}"/>
+                <a16:creationId xmlns:a16="http://schemas.microsoft.com/office/drawing/2014/main" id="{0223BD36-8AB8-90EF-F585-127DDAC0D786}"/>
               </a:ext>
             </a:extLst>
           </p:cNvPr>
@@ -6673,19 +7505,17 @@
         </p:nvSpPr>
         <p:spPr>
           <a:xfrm>
-            <a:off x="677334" y="609600"/>
-            <a:ext cx="8596668" cy="832701"/>
+            <a:off x="1064819" y="1523999"/>
+            <a:ext cx="8596668" cy="681872"/>
           </a:xfrm>
         </p:spPr>
         <p:txBody>
-          <a:bodyPr>
-            <a:normAutofit/>
-          </a:bodyPr>
+          <a:bodyPr/>
           <a:lstStyle/>
           <a:p>
             <a:r>
-              <a:rPr lang="en-IN" sz="4400" dirty="0"/>
-              <a:t>FUTURE SCOPE OF THE PROJECT</a:t>
+              <a:rPr lang="en-IN" dirty="0"/>
+              <a:t>Admin	</a:t>
             </a:r>
           </a:p>
         </p:txBody>
@@ -6695,7 +7525,7 @@
           <p:cNvPr id="3" name="Content Placeholder 2">
             <a:extLst>
               <a:ext uri="{FF2B5EF4-FFF2-40B4-BE49-F238E27FC236}">
-                <a16:creationId xmlns:a16="http://schemas.microsoft.com/office/drawing/2014/main" id="{6F0C525C-48A5-7576-43AC-22EE82EAD8D9}"/>
+                <a16:creationId xmlns:a16="http://schemas.microsoft.com/office/drawing/2014/main" id="{9D87F8A5-D91D-1AFB-7F00-93DCBFA303D3}"/>
               </a:ext>
             </a:extLst>
           </p:cNvPr>
@@ -6708,28 +7538,25 @@
         </p:nvSpPr>
         <p:spPr>
           <a:xfrm>
-            <a:off x="677334" y="1930401"/>
-            <a:ext cx="8596668" cy="4110962"/>
+            <a:off x="677333" y="2570658"/>
+            <a:ext cx="9371639" cy="1958924"/>
           </a:xfrm>
         </p:spPr>
         <p:txBody>
           <a:bodyPr>
-            <a:normAutofit/>
+            <a:normAutofit lnSpcReduction="10000"/>
           </a:bodyPr>
           <a:lstStyle/>
           <a:p>
             <a:r>
               <a:rPr lang="en-IN" sz="2400" dirty="0"/>
-              <a:t>This project will enhance the employee and the company to serve more quickly and efficiently. This software is developed in order to computerize the activities which take more time, if done manually.</a:t>
-            </a:r>
-          </a:p>
-          <a:p>
-            <a:endParaRPr lang="en-IN" sz="2400" dirty="0"/>
+              <a:t>The initial step which is handled by the admin module is to create a unique account for each employee or faculty member in the organization.</a:t>
+            </a:r>
           </a:p>
           <a:p>
             <a:r>
               <a:rPr lang="en-IN" sz="2400" dirty="0"/>
-              <a:t>Leave Management system will enable the employee and company staff to make things faster and can get information quickly. If we want any information about employee, we can access it quickly.</a:t>
+              <a:t>This module handles the administrative functions of the system and is used by the head of the department.</a:t>
             </a:r>
           </a:p>
         </p:txBody>
@@ -6737,7 +7564,7 @@
     </p:spTree>
     <p:extLst>
       <p:ext uri="{BB962C8B-B14F-4D97-AF65-F5344CB8AC3E}">
-        <p14:creationId xmlns:p14="http://schemas.microsoft.com/office/powerpoint/2010/main" val="4140585593"/>
+        <p14:creationId xmlns:p14="http://schemas.microsoft.com/office/powerpoint/2010/main" val="362994755"/>
       </p:ext>
     </p:extLst>
   </p:cSld>
@@ -6769,7 +7596,7 @@
           <p:cNvPr id="2" name="Title 1">
             <a:extLst>
               <a:ext uri="{FF2B5EF4-FFF2-40B4-BE49-F238E27FC236}">
-                <a16:creationId xmlns:a16="http://schemas.microsoft.com/office/drawing/2014/main" id="{E85B64A3-2DA0-610D-19BC-8E447F914BDD}"/>
+                <a16:creationId xmlns:a16="http://schemas.microsoft.com/office/drawing/2014/main" id="{F0B05C91-42ED-6556-C3BD-3BB6DAE94AA1}"/>
               </a:ext>
             </a:extLst>
           </p:cNvPr>
@@ -6782,15 +7609,10 @@
         </p:nvSpPr>
         <p:spPr/>
         <p:txBody>
-          <a:bodyPr>
-            <a:normAutofit/>
-          </a:bodyPr>
+          <a:bodyPr/>
           <a:lstStyle/>
           <a:p>
-            <a:r>
-              <a:rPr lang="en-IN" sz="4400" dirty="0"/>
-              <a:t>CONCLUSION</a:t>
-            </a:r>
+            <a:endParaRPr lang="en-IN"/>
           </a:p>
         </p:txBody>
       </p:sp>
@@ -6799,7 +7621,7 @@
           <p:cNvPr id="3" name="Content Placeholder 2">
             <a:extLst>
               <a:ext uri="{FF2B5EF4-FFF2-40B4-BE49-F238E27FC236}">
-                <a16:creationId xmlns:a16="http://schemas.microsoft.com/office/drawing/2014/main" id="{87F60B77-F509-330C-0BAB-68A84C016F85}"/>
+                <a16:creationId xmlns:a16="http://schemas.microsoft.com/office/drawing/2014/main" id="{D0D3DFE3-555F-7BB1-A3C4-427C03EBB4D1}"/>
               </a:ext>
             </a:extLst>
           </p:cNvPr>
@@ -6812,31 +7634,1267 @@
         </p:nvSpPr>
         <p:spPr/>
         <p:txBody>
-          <a:bodyPr>
-            <a:normAutofit/>
-          </a:bodyPr>
+          <a:bodyPr/>
           <a:lstStyle/>
           <a:p>
-            <a:r>
-              <a:rPr lang="en-IN" sz="2400" dirty="0"/>
-              <a:t>Leave Management System is very useful for organizations to maintain the leave records of the employees. This system not only maintains the leaves of the employees, it also maintains the details of the staffs.</a:t>
-            </a:r>
-          </a:p>
-          <a:p>
-            <a:endParaRPr lang="en-IN" sz="2400" dirty="0"/>
-          </a:p>
-          <a:p>
-            <a:r>
-              <a:rPr lang="en-IN" sz="2400" dirty="0"/>
-              <a:t>The higher may accept or reject the leaves requested by the staff. Thus this system maintains the excess amount of job done by organizations to maintain the leaves.</a:t>
-            </a:r>
-          </a:p>
-        </p:txBody>
-      </p:sp>
+            <a:endParaRPr lang="en-IN"/>
+          </a:p>
+        </p:txBody>
+      </p:sp>
+      <p:pic>
+        <p:nvPicPr>
+          <p:cNvPr id="5" name="Picture 4">
+            <a:extLst>
+              <a:ext uri="{FF2B5EF4-FFF2-40B4-BE49-F238E27FC236}">
+                <a16:creationId xmlns:a16="http://schemas.microsoft.com/office/drawing/2014/main" id="{1E4FFA67-012D-10F3-D98E-E601476A196C}"/>
+              </a:ext>
+            </a:extLst>
+          </p:cNvPr>
+          <p:cNvPicPr>
+            <a:picLocks noChangeAspect="1"/>
+          </p:cNvPicPr>
+          <p:nvPr/>
+        </p:nvPicPr>
+        <p:blipFill>
+          <a:blip r:embed="rId2"/>
+          <a:stretch>
+            <a:fillRect/>
+          </a:stretch>
+        </p:blipFill>
+        <p:spPr>
+          <a:xfrm>
+            <a:off x="0" y="0"/>
+            <a:ext cx="12192000" cy="6858000"/>
+          </a:xfrm>
+          <a:prstGeom prst="rect">
+            <a:avLst/>
+          </a:prstGeom>
+        </p:spPr>
+      </p:pic>
+      <p:pic>
+        <p:nvPicPr>
+          <p:cNvPr id="4" name="Picture 3">
+            <a:extLst>
+              <a:ext uri="{FF2B5EF4-FFF2-40B4-BE49-F238E27FC236}">
+                <a16:creationId xmlns:a16="http://schemas.microsoft.com/office/drawing/2014/main" id="{31EB319C-44F5-BFEF-46D4-E73C4B2BB9AD}"/>
+              </a:ext>
+            </a:extLst>
+          </p:cNvPr>
+          <p:cNvPicPr>
+            <a:picLocks noChangeAspect="1"/>
+          </p:cNvPicPr>
+          <p:nvPr/>
+        </p:nvPicPr>
+        <p:blipFill>
+          <a:blip r:embed="rId3"/>
+          <a:stretch>
+            <a:fillRect/>
+          </a:stretch>
+        </p:blipFill>
+        <p:spPr>
+          <a:xfrm>
+            <a:off x="0" y="0"/>
+            <a:ext cx="12192000" cy="6858000"/>
+          </a:xfrm>
+          <a:prstGeom prst="rect">
+            <a:avLst/>
+          </a:prstGeom>
+        </p:spPr>
+      </p:pic>
+      <p:pic>
+        <p:nvPicPr>
+          <p:cNvPr id="6" name="Picture 5">
+            <a:extLst>
+              <a:ext uri="{FF2B5EF4-FFF2-40B4-BE49-F238E27FC236}">
+                <a16:creationId xmlns:a16="http://schemas.microsoft.com/office/drawing/2014/main" id="{C57E690B-B203-FEE0-17FD-C2D7F5146C1D}"/>
+              </a:ext>
+            </a:extLst>
+          </p:cNvPr>
+          <p:cNvPicPr>
+            <a:picLocks noChangeAspect="1"/>
+          </p:cNvPicPr>
+          <p:nvPr/>
+        </p:nvPicPr>
+        <p:blipFill>
+          <a:blip r:embed="rId4"/>
+          <a:stretch>
+            <a:fillRect/>
+          </a:stretch>
+        </p:blipFill>
+        <p:spPr>
+          <a:xfrm>
+            <a:off x="0" y="0"/>
+            <a:ext cx="12192000" cy="6858000"/>
+          </a:xfrm>
+          <a:prstGeom prst="rect">
+            <a:avLst/>
+          </a:prstGeom>
+        </p:spPr>
+      </p:pic>
+      <p:pic>
+        <p:nvPicPr>
+          <p:cNvPr id="7" name="Picture 6">
+            <a:extLst>
+              <a:ext uri="{FF2B5EF4-FFF2-40B4-BE49-F238E27FC236}">
+                <a16:creationId xmlns:a16="http://schemas.microsoft.com/office/drawing/2014/main" id="{F8480DF7-58E2-8063-C516-A75F3A23E9B9}"/>
+              </a:ext>
+            </a:extLst>
+          </p:cNvPr>
+          <p:cNvPicPr>
+            <a:picLocks noChangeAspect="1"/>
+          </p:cNvPicPr>
+          <p:nvPr/>
+        </p:nvPicPr>
+        <p:blipFill rotWithShape="1">
+          <a:blip r:embed="rId5"/>
+          <a:srcRect l="1701" t="3574" r="12165" b="20138"/>
+          <a:stretch/>
+        </p:blipFill>
+        <p:spPr>
+          <a:xfrm>
+            <a:off x="0" y="0"/>
+            <a:ext cx="12192000" cy="6074112"/>
+          </a:xfrm>
+          <a:prstGeom prst="rect">
+            <a:avLst/>
+          </a:prstGeom>
+        </p:spPr>
+      </p:pic>
+      <p:pic>
+        <p:nvPicPr>
+          <p:cNvPr id="8" name="Picture 7">
+            <a:extLst>
+              <a:ext uri="{FF2B5EF4-FFF2-40B4-BE49-F238E27FC236}">
+                <a16:creationId xmlns:a16="http://schemas.microsoft.com/office/drawing/2014/main" id="{E364FD3F-9F11-0F68-88EF-1EEE5FED9AD9}"/>
+              </a:ext>
+            </a:extLst>
+          </p:cNvPr>
+          <p:cNvPicPr>
+            <a:picLocks noChangeAspect="1"/>
+          </p:cNvPicPr>
+          <p:nvPr/>
+        </p:nvPicPr>
+        <p:blipFill>
+          <a:blip r:embed="rId6"/>
+          <a:stretch>
+            <a:fillRect/>
+          </a:stretch>
+        </p:blipFill>
+        <p:spPr>
+          <a:xfrm>
+            <a:off x="0" y="0"/>
+            <a:ext cx="12192000" cy="6858000"/>
+          </a:xfrm>
+          <a:prstGeom prst="rect">
+            <a:avLst/>
+          </a:prstGeom>
+        </p:spPr>
+      </p:pic>
+      <p:pic>
+        <p:nvPicPr>
+          <p:cNvPr id="9" name="Picture 8">
+            <a:extLst>
+              <a:ext uri="{FF2B5EF4-FFF2-40B4-BE49-F238E27FC236}">
+                <a16:creationId xmlns:a16="http://schemas.microsoft.com/office/drawing/2014/main" id="{53937018-AC76-0A77-22DC-6A733DAA0A7B}"/>
+              </a:ext>
+            </a:extLst>
+          </p:cNvPr>
+          <p:cNvPicPr>
+            <a:picLocks noChangeAspect="1"/>
+          </p:cNvPicPr>
+          <p:nvPr/>
+        </p:nvPicPr>
+        <p:blipFill>
+          <a:blip r:embed="rId7"/>
+          <a:stretch>
+            <a:fillRect/>
+          </a:stretch>
+        </p:blipFill>
+        <p:spPr>
+          <a:xfrm>
+            <a:off x="0" y="0"/>
+            <a:ext cx="12192000" cy="6477000"/>
+          </a:xfrm>
+          <a:prstGeom prst="rect">
+            <a:avLst/>
+          </a:prstGeom>
+        </p:spPr>
+      </p:pic>
+      <p:pic>
+        <p:nvPicPr>
+          <p:cNvPr id="10" name="Picture 9">
+            <a:extLst>
+              <a:ext uri="{FF2B5EF4-FFF2-40B4-BE49-F238E27FC236}">
+                <a16:creationId xmlns:a16="http://schemas.microsoft.com/office/drawing/2014/main" id="{B18E94AF-BCF3-7E6F-5B3E-2F367A93756C}"/>
+              </a:ext>
+            </a:extLst>
+          </p:cNvPr>
+          <p:cNvPicPr>
+            <a:picLocks noChangeAspect="1"/>
+          </p:cNvPicPr>
+          <p:nvPr/>
+        </p:nvPicPr>
+        <p:blipFill>
+          <a:blip r:embed="rId8"/>
+          <a:stretch>
+            <a:fillRect/>
+          </a:stretch>
+        </p:blipFill>
+        <p:spPr>
+          <a:xfrm>
+            <a:off x="0" y="0"/>
+            <a:ext cx="12192000" cy="6858000"/>
+          </a:xfrm>
+          <a:prstGeom prst="rect">
+            <a:avLst/>
+          </a:prstGeom>
+        </p:spPr>
+      </p:pic>
     </p:spTree>
     <p:extLst>
       <p:ext uri="{BB962C8B-B14F-4D97-AF65-F5344CB8AC3E}">
-        <p14:creationId xmlns:p14="http://schemas.microsoft.com/office/powerpoint/2010/main" val="3385183725"/>
+        <p14:creationId xmlns:p14="http://schemas.microsoft.com/office/powerpoint/2010/main" val="2774503822"/>
+      </p:ext>
+    </p:extLst>
+  </p:cSld>
+  <p:clrMapOvr>
+    <a:masterClrMapping/>
+  </p:clrMapOvr>
+  <p:timing>
+    <p:tnLst>
+      <p:par>
+        <p:cTn id="1" dur="indefinite" restart="never" nodeType="tmRoot">
+          <p:childTnLst>
+            <p:seq concurrent="1" nextAc="seek">
+              <p:cTn id="2" dur="indefinite" nodeType="mainSeq">
+                <p:childTnLst>
+                  <p:par>
+                    <p:cTn id="3" fill="hold">
+                      <p:stCondLst>
+                        <p:cond delay="indefinite"/>
+                      </p:stCondLst>
+                      <p:childTnLst>
+                        <p:par>
+                          <p:cTn id="4" fill="hold">
+                            <p:stCondLst>
+                              <p:cond delay="0"/>
+                            </p:stCondLst>
+                            <p:childTnLst>
+                              <p:par>
+                                <p:cTn id="5" presetID="2" presetClass="entr" presetSubtype="2" fill="hold" nodeType="clickEffect">
+                                  <p:stCondLst>
+                                    <p:cond delay="0"/>
+                                  </p:stCondLst>
+                                  <p:childTnLst>
+                                    <p:set>
+                                      <p:cBhvr>
+                                        <p:cTn id="6" dur="1" fill="hold">
+                                          <p:stCondLst>
+                                            <p:cond delay="0"/>
+                                          </p:stCondLst>
+                                        </p:cTn>
+                                        <p:tgtEl>
+                                          <p:spTgt spid="4"/>
+                                        </p:tgtEl>
+                                        <p:attrNameLst>
+                                          <p:attrName>style.visibility</p:attrName>
+                                        </p:attrNameLst>
+                                      </p:cBhvr>
+                                      <p:to>
+                                        <p:strVal val="visible"/>
+                                      </p:to>
+                                    </p:set>
+                                    <p:anim calcmode="lin" valueType="num">
+                                      <p:cBhvr additive="base">
+                                        <p:cTn id="7" dur="500" fill="hold"/>
+                                        <p:tgtEl>
+                                          <p:spTgt spid="4"/>
+                                        </p:tgtEl>
+                                        <p:attrNameLst>
+                                          <p:attrName>ppt_x</p:attrName>
+                                        </p:attrNameLst>
+                                      </p:cBhvr>
+                                      <p:tavLst>
+                                        <p:tav tm="0">
+                                          <p:val>
+                                            <p:strVal val="1+#ppt_w/2"/>
+                                          </p:val>
+                                        </p:tav>
+                                        <p:tav tm="100000">
+                                          <p:val>
+                                            <p:strVal val="#ppt_x"/>
+                                          </p:val>
+                                        </p:tav>
+                                      </p:tavLst>
+                                    </p:anim>
+                                    <p:anim calcmode="lin" valueType="num">
+                                      <p:cBhvr additive="base">
+                                        <p:cTn id="8" dur="500" fill="hold"/>
+                                        <p:tgtEl>
+                                          <p:spTgt spid="4"/>
+                                        </p:tgtEl>
+                                        <p:attrNameLst>
+                                          <p:attrName>ppt_y</p:attrName>
+                                        </p:attrNameLst>
+                                      </p:cBhvr>
+                                      <p:tavLst>
+                                        <p:tav tm="0">
+                                          <p:val>
+                                            <p:strVal val="#ppt_y"/>
+                                          </p:val>
+                                        </p:tav>
+                                        <p:tav tm="100000">
+                                          <p:val>
+                                            <p:strVal val="#ppt_y"/>
+                                          </p:val>
+                                        </p:tav>
+                                      </p:tavLst>
+                                    </p:anim>
+                                  </p:childTnLst>
+                                </p:cTn>
+                              </p:par>
+                            </p:childTnLst>
+                          </p:cTn>
+                        </p:par>
+                      </p:childTnLst>
+                    </p:cTn>
+                  </p:par>
+                  <p:par>
+                    <p:cTn id="9" fill="hold">
+                      <p:stCondLst>
+                        <p:cond delay="indefinite"/>
+                      </p:stCondLst>
+                      <p:childTnLst>
+                        <p:par>
+                          <p:cTn id="10" fill="hold">
+                            <p:stCondLst>
+                              <p:cond delay="0"/>
+                            </p:stCondLst>
+                            <p:childTnLst>
+                              <p:par>
+                                <p:cTn id="11" presetID="2" presetClass="entr" presetSubtype="2" fill="hold" nodeType="clickEffect">
+                                  <p:stCondLst>
+                                    <p:cond delay="0"/>
+                                  </p:stCondLst>
+                                  <p:childTnLst>
+                                    <p:set>
+                                      <p:cBhvr>
+                                        <p:cTn id="12" dur="1" fill="hold">
+                                          <p:stCondLst>
+                                            <p:cond delay="0"/>
+                                          </p:stCondLst>
+                                        </p:cTn>
+                                        <p:tgtEl>
+                                          <p:spTgt spid="6"/>
+                                        </p:tgtEl>
+                                        <p:attrNameLst>
+                                          <p:attrName>style.visibility</p:attrName>
+                                        </p:attrNameLst>
+                                      </p:cBhvr>
+                                      <p:to>
+                                        <p:strVal val="visible"/>
+                                      </p:to>
+                                    </p:set>
+                                    <p:anim calcmode="lin" valueType="num">
+                                      <p:cBhvr additive="base">
+                                        <p:cTn id="13" dur="500" fill="hold"/>
+                                        <p:tgtEl>
+                                          <p:spTgt spid="6"/>
+                                        </p:tgtEl>
+                                        <p:attrNameLst>
+                                          <p:attrName>ppt_x</p:attrName>
+                                        </p:attrNameLst>
+                                      </p:cBhvr>
+                                      <p:tavLst>
+                                        <p:tav tm="0">
+                                          <p:val>
+                                            <p:strVal val="1+#ppt_w/2"/>
+                                          </p:val>
+                                        </p:tav>
+                                        <p:tav tm="100000">
+                                          <p:val>
+                                            <p:strVal val="#ppt_x"/>
+                                          </p:val>
+                                        </p:tav>
+                                      </p:tavLst>
+                                    </p:anim>
+                                    <p:anim calcmode="lin" valueType="num">
+                                      <p:cBhvr additive="base">
+                                        <p:cTn id="14" dur="500" fill="hold"/>
+                                        <p:tgtEl>
+                                          <p:spTgt spid="6"/>
+                                        </p:tgtEl>
+                                        <p:attrNameLst>
+                                          <p:attrName>ppt_y</p:attrName>
+                                        </p:attrNameLst>
+                                      </p:cBhvr>
+                                      <p:tavLst>
+                                        <p:tav tm="0">
+                                          <p:val>
+                                            <p:strVal val="#ppt_y"/>
+                                          </p:val>
+                                        </p:tav>
+                                        <p:tav tm="100000">
+                                          <p:val>
+                                            <p:strVal val="#ppt_y"/>
+                                          </p:val>
+                                        </p:tav>
+                                      </p:tavLst>
+                                    </p:anim>
+                                  </p:childTnLst>
+                                </p:cTn>
+                              </p:par>
+                            </p:childTnLst>
+                          </p:cTn>
+                        </p:par>
+                      </p:childTnLst>
+                    </p:cTn>
+                  </p:par>
+                  <p:par>
+                    <p:cTn id="15" fill="hold">
+                      <p:stCondLst>
+                        <p:cond delay="indefinite"/>
+                      </p:stCondLst>
+                      <p:childTnLst>
+                        <p:par>
+                          <p:cTn id="16" fill="hold">
+                            <p:stCondLst>
+                              <p:cond delay="0"/>
+                            </p:stCondLst>
+                            <p:childTnLst>
+                              <p:par>
+                                <p:cTn id="17" presetID="2" presetClass="entr" presetSubtype="2" fill="hold" nodeType="clickEffect">
+                                  <p:stCondLst>
+                                    <p:cond delay="0"/>
+                                  </p:stCondLst>
+                                  <p:childTnLst>
+                                    <p:set>
+                                      <p:cBhvr>
+                                        <p:cTn id="18" dur="1" fill="hold">
+                                          <p:stCondLst>
+                                            <p:cond delay="0"/>
+                                          </p:stCondLst>
+                                        </p:cTn>
+                                        <p:tgtEl>
+                                          <p:spTgt spid="7"/>
+                                        </p:tgtEl>
+                                        <p:attrNameLst>
+                                          <p:attrName>style.visibility</p:attrName>
+                                        </p:attrNameLst>
+                                      </p:cBhvr>
+                                      <p:to>
+                                        <p:strVal val="visible"/>
+                                      </p:to>
+                                    </p:set>
+                                    <p:anim calcmode="lin" valueType="num">
+                                      <p:cBhvr additive="base">
+                                        <p:cTn id="19" dur="500" fill="hold"/>
+                                        <p:tgtEl>
+                                          <p:spTgt spid="7"/>
+                                        </p:tgtEl>
+                                        <p:attrNameLst>
+                                          <p:attrName>ppt_x</p:attrName>
+                                        </p:attrNameLst>
+                                      </p:cBhvr>
+                                      <p:tavLst>
+                                        <p:tav tm="0">
+                                          <p:val>
+                                            <p:strVal val="1+#ppt_w/2"/>
+                                          </p:val>
+                                        </p:tav>
+                                        <p:tav tm="100000">
+                                          <p:val>
+                                            <p:strVal val="#ppt_x"/>
+                                          </p:val>
+                                        </p:tav>
+                                      </p:tavLst>
+                                    </p:anim>
+                                    <p:anim calcmode="lin" valueType="num">
+                                      <p:cBhvr additive="base">
+                                        <p:cTn id="20" dur="500" fill="hold"/>
+                                        <p:tgtEl>
+                                          <p:spTgt spid="7"/>
+                                        </p:tgtEl>
+                                        <p:attrNameLst>
+                                          <p:attrName>ppt_y</p:attrName>
+                                        </p:attrNameLst>
+                                      </p:cBhvr>
+                                      <p:tavLst>
+                                        <p:tav tm="0">
+                                          <p:val>
+                                            <p:strVal val="#ppt_y"/>
+                                          </p:val>
+                                        </p:tav>
+                                        <p:tav tm="100000">
+                                          <p:val>
+                                            <p:strVal val="#ppt_y"/>
+                                          </p:val>
+                                        </p:tav>
+                                      </p:tavLst>
+                                    </p:anim>
+                                  </p:childTnLst>
+                                </p:cTn>
+                              </p:par>
+                            </p:childTnLst>
+                          </p:cTn>
+                        </p:par>
+                      </p:childTnLst>
+                    </p:cTn>
+                  </p:par>
+                  <p:par>
+                    <p:cTn id="21" fill="hold">
+                      <p:stCondLst>
+                        <p:cond delay="indefinite"/>
+                      </p:stCondLst>
+                      <p:childTnLst>
+                        <p:par>
+                          <p:cTn id="22" fill="hold">
+                            <p:stCondLst>
+                              <p:cond delay="0"/>
+                            </p:stCondLst>
+                            <p:childTnLst>
+                              <p:par>
+                                <p:cTn id="23" presetID="2" presetClass="entr" presetSubtype="2" fill="hold" nodeType="clickEffect">
+                                  <p:stCondLst>
+                                    <p:cond delay="0"/>
+                                  </p:stCondLst>
+                                  <p:childTnLst>
+                                    <p:set>
+                                      <p:cBhvr>
+                                        <p:cTn id="24" dur="1" fill="hold">
+                                          <p:stCondLst>
+                                            <p:cond delay="0"/>
+                                          </p:stCondLst>
+                                        </p:cTn>
+                                        <p:tgtEl>
+                                          <p:spTgt spid="8"/>
+                                        </p:tgtEl>
+                                        <p:attrNameLst>
+                                          <p:attrName>style.visibility</p:attrName>
+                                        </p:attrNameLst>
+                                      </p:cBhvr>
+                                      <p:to>
+                                        <p:strVal val="visible"/>
+                                      </p:to>
+                                    </p:set>
+                                    <p:anim calcmode="lin" valueType="num">
+                                      <p:cBhvr additive="base">
+                                        <p:cTn id="25" dur="500" fill="hold"/>
+                                        <p:tgtEl>
+                                          <p:spTgt spid="8"/>
+                                        </p:tgtEl>
+                                        <p:attrNameLst>
+                                          <p:attrName>ppt_x</p:attrName>
+                                        </p:attrNameLst>
+                                      </p:cBhvr>
+                                      <p:tavLst>
+                                        <p:tav tm="0">
+                                          <p:val>
+                                            <p:strVal val="1+#ppt_w/2"/>
+                                          </p:val>
+                                        </p:tav>
+                                        <p:tav tm="100000">
+                                          <p:val>
+                                            <p:strVal val="#ppt_x"/>
+                                          </p:val>
+                                        </p:tav>
+                                      </p:tavLst>
+                                    </p:anim>
+                                    <p:anim calcmode="lin" valueType="num">
+                                      <p:cBhvr additive="base">
+                                        <p:cTn id="26" dur="500" fill="hold"/>
+                                        <p:tgtEl>
+                                          <p:spTgt spid="8"/>
+                                        </p:tgtEl>
+                                        <p:attrNameLst>
+                                          <p:attrName>ppt_y</p:attrName>
+                                        </p:attrNameLst>
+                                      </p:cBhvr>
+                                      <p:tavLst>
+                                        <p:tav tm="0">
+                                          <p:val>
+                                            <p:strVal val="#ppt_y"/>
+                                          </p:val>
+                                        </p:tav>
+                                        <p:tav tm="100000">
+                                          <p:val>
+                                            <p:strVal val="#ppt_y"/>
+                                          </p:val>
+                                        </p:tav>
+                                      </p:tavLst>
+                                    </p:anim>
+                                  </p:childTnLst>
+                                </p:cTn>
+                              </p:par>
+                            </p:childTnLst>
+                          </p:cTn>
+                        </p:par>
+                      </p:childTnLst>
+                    </p:cTn>
+                  </p:par>
+                  <p:par>
+                    <p:cTn id="27" fill="hold">
+                      <p:stCondLst>
+                        <p:cond delay="indefinite"/>
+                      </p:stCondLst>
+                      <p:childTnLst>
+                        <p:par>
+                          <p:cTn id="28" fill="hold">
+                            <p:stCondLst>
+                              <p:cond delay="0"/>
+                            </p:stCondLst>
+                            <p:childTnLst>
+                              <p:par>
+                                <p:cTn id="29" presetID="2" presetClass="entr" presetSubtype="2" fill="hold" nodeType="clickEffect">
+                                  <p:stCondLst>
+                                    <p:cond delay="0"/>
+                                  </p:stCondLst>
+                                  <p:childTnLst>
+                                    <p:set>
+                                      <p:cBhvr>
+                                        <p:cTn id="30" dur="1" fill="hold">
+                                          <p:stCondLst>
+                                            <p:cond delay="0"/>
+                                          </p:stCondLst>
+                                        </p:cTn>
+                                        <p:tgtEl>
+                                          <p:spTgt spid="9"/>
+                                        </p:tgtEl>
+                                        <p:attrNameLst>
+                                          <p:attrName>style.visibility</p:attrName>
+                                        </p:attrNameLst>
+                                      </p:cBhvr>
+                                      <p:to>
+                                        <p:strVal val="visible"/>
+                                      </p:to>
+                                    </p:set>
+                                    <p:anim calcmode="lin" valueType="num">
+                                      <p:cBhvr additive="base">
+                                        <p:cTn id="31" dur="500" fill="hold"/>
+                                        <p:tgtEl>
+                                          <p:spTgt spid="9"/>
+                                        </p:tgtEl>
+                                        <p:attrNameLst>
+                                          <p:attrName>ppt_x</p:attrName>
+                                        </p:attrNameLst>
+                                      </p:cBhvr>
+                                      <p:tavLst>
+                                        <p:tav tm="0">
+                                          <p:val>
+                                            <p:strVal val="1+#ppt_w/2"/>
+                                          </p:val>
+                                        </p:tav>
+                                        <p:tav tm="100000">
+                                          <p:val>
+                                            <p:strVal val="#ppt_x"/>
+                                          </p:val>
+                                        </p:tav>
+                                      </p:tavLst>
+                                    </p:anim>
+                                    <p:anim calcmode="lin" valueType="num">
+                                      <p:cBhvr additive="base">
+                                        <p:cTn id="32" dur="500" fill="hold"/>
+                                        <p:tgtEl>
+                                          <p:spTgt spid="9"/>
+                                        </p:tgtEl>
+                                        <p:attrNameLst>
+                                          <p:attrName>ppt_y</p:attrName>
+                                        </p:attrNameLst>
+                                      </p:cBhvr>
+                                      <p:tavLst>
+                                        <p:tav tm="0">
+                                          <p:val>
+                                            <p:strVal val="#ppt_y"/>
+                                          </p:val>
+                                        </p:tav>
+                                        <p:tav tm="100000">
+                                          <p:val>
+                                            <p:strVal val="#ppt_y"/>
+                                          </p:val>
+                                        </p:tav>
+                                      </p:tavLst>
+                                    </p:anim>
+                                  </p:childTnLst>
+                                </p:cTn>
+                              </p:par>
+                            </p:childTnLst>
+                          </p:cTn>
+                        </p:par>
+                      </p:childTnLst>
+                    </p:cTn>
+                  </p:par>
+                  <p:par>
+                    <p:cTn id="33" fill="hold">
+                      <p:stCondLst>
+                        <p:cond delay="indefinite"/>
+                      </p:stCondLst>
+                      <p:childTnLst>
+                        <p:par>
+                          <p:cTn id="34" fill="hold">
+                            <p:stCondLst>
+                              <p:cond delay="0"/>
+                            </p:stCondLst>
+                            <p:childTnLst>
+                              <p:par>
+                                <p:cTn id="35" presetID="2" presetClass="entr" presetSubtype="2" fill="hold" nodeType="clickEffect">
+                                  <p:stCondLst>
+                                    <p:cond delay="0"/>
+                                  </p:stCondLst>
+                                  <p:childTnLst>
+                                    <p:set>
+                                      <p:cBhvr>
+                                        <p:cTn id="36" dur="1" fill="hold">
+                                          <p:stCondLst>
+                                            <p:cond delay="0"/>
+                                          </p:stCondLst>
+                                        </p:cTn>
+                                        <p:tgtEl>
+                                          <p:spTgt spid="10"/>
+                                        </p:tgtEl>
+                                        <p:attrNameLst>
+                                          <p:attrName>style.visibility</p:attrName>
+                                        </p:attrNameLst>
+                                      </p:cBhvr>
+                                      <p:to>
+                                        <p:strVal val="visible"/>
+                                      </p:to>
+                                    </p:set>
+                                    <p:anim calcmode="lin" valueType="num">
+                                      <p:cBhvr additive="base">
+                                        <p:cTn id="37" dur="500" fill="hold"/>
+                                        <p:tgtEl>
+                                          <p:spTgt spid="10"/>
+                                        </p:tgtEl>
+                                        <p:attrNameLst>
+                                          <p:attrName>ppt_x</p:attrName>
+                                        </p:attrNameLst>
+                                      </p:cBhvr>
+                                      <p:tavLst>
+                                        <p:tav tm="0">
+                                          <p:val>
+                                            <p:strVal val="1+#ppt_w/2"/>
+                                          </p:val>
+                                        </p:tav>
+                                        <p:tav tm="100000">
+                                          <p:val>
+                                            <p:strVal val="#ppt_x"/>
+                                          </p:val>
+                                        </p:tav>
+                                      </p:tavLst>
+                                    </p:anim>
+                                    <p:anim calcmode="lin" valueType="num">
+                                      <p:cBhvr additive="base">
+                                        <p:cTn id="38" dur="500" fill="hold"/>
+                                        <p:tgtEl>
+                                          <p:spTgt spid="10"/>
+                                        </p:tgtEl>
+                                        <p:attrNameLst>
+                                          <p:attrName>ppt_y</p:attrName>
+                                        </p:attrNameLst>
+                                      </p:cBhvr>
+                                      <p:tavLst>
+                                        <p:tav tm="0">
+                                          <p:val>
+                                            <p:strVal val="#ppt_y"/>
+                                          </p:val>
+                                        </p:tav>
+                                        <p:tav tm="100000">
+                                          <p:val>
+                                            <p:strVal val="#ppt_y"/>
+                                          </p:val>
+                                        </p:tav>
+                                      </p:tavLst>
+                                    </p:anim>
+                                  </p:childTnLst>
+                                </p:cTn>
+                              </p:par>
+                            </p:childTnLst>
+                          </p:cTn>
+                        </p:par>
+                      </p:childTnLst>
+                    </p:cTn>
+                  </p:par>
+                </p:childTnLst>
+              </p:cTn>
+              <p:prevCondLst>
+                <p:cond evt="onPrev" delay="0">
+                  <p:tgtEl>
+                    <p:sldTgt/>
+                  </p:tgtEl>
+                </p:cond>
+              </p:prevCondLst>
+              <p:nextCondLst>
+                <p:cond evt="onNext" delay="0">
+                  <p:tgtEl>
+                    <p:sldTgt/>
+                  </p:tgtEl>
+                </p:cond>
+              </p:nextCondLst>
+            </p:seq>
+          </p:childTnLst>
+        </p:cTn>
+      </p:par>
+    </p:tnLst>
+  </p:timing>
+</p:sld>
+</file>
+
+<file path=ppt/slides/slide8.xml><?xml version="1.0" encoding="utf-8"?>
+<p:sld xmlns:a="http://schemas.openxmlformats.org/drawingml/2006/main" xmlns:r="http://schemas.openxmlformats.org/officeDocument/2006/relationships" xmlns:p="http://schemas.openxmlformats.org/presentationml/2006/main">
+  <p:cSld>
+    <p:spTree>
+      <p:nvGrpSpPr>
+        <p:cNvPr id="1" name=""/>
+        <p:cNvGrpSpPr/>
+        <p:nvPr/>
+      </p:nvGrpSpPr>
+      <p:grpSpPr>
+        <a:xfrm>
+          <a:off x="0" y="0"/>
+          <a:ext cx="0" cy="0"/>
+          <a:chOff x="0" y="0"/>
+          <a:chExt cx="0" cy="0"/>
+        </a:xfrm>
+      </p:grpSpPr>
+      <p:sp>
+        <p:nvSpPr>
+          <p:cNvPr id="8" name="Title 1">
+            <a:extLst>
+              <a:ext uri="{FF2B5EF4-FFF2-40B4-BE49-F238E27FC236}">
+                <a16:creationId xmlns:a16="http://schemas.microsoft.com/office/drawing/2014/main" id="{D8C2EBA4-5A94-FD13-4785-C3E23BA1CD96}"/>
+              </a:ext>
+            </a:extLst>
+          </p:cNvPr>
+          <p:cNvSpPr txBox="1">
+            <a:spLocks/>
+          </p:cNvSpPr>
+          <p:nvPr/>
+        </p:nvSpPr>
+        <p:spPr>
+          <a:xfrm>
+            <a:off x="1139247" y="1335577"/>
+            <a:ext cx="8596668" cy="681872"/>
+          </a:xfrm>
+          <a:prstGeom prst="rect">
+            <a:avLst/>
+          </a:prstGeom>
+        </p:spPr>
+        <p:txBody>
+          <a:bodyPr vert="horz" lIns="91440" tIns="45720" rIns="91440" bIns="45720" rtlCol="0" anchor="t">
+            <a:normAutofit/>
+          </a:bodyPr>
+          <a:lstStyle>
+            <a:lvl1pPr algn="l" defTabSz="457200" rtl="0" eaLnBrk="1" latinLnBrk="0" hangingPunct="1">
+              <a:spcBef>
+                <a:spcPct val="0"/>
+              </a:spcBef>
+              <a:buNone/>
+              <a:defRPr sz="3600" kern="1200">
+                <a:solidFill>
+                  <a:schemeClr val="accent1"/>
+                </a:solidFill>
+                <a:latin typeface="+mj-lt"/>
+                <a:ea typeface="+mj-ea"/>
+                <a:cs typeface="+mj-cs"/>
+              </a:defRPr>
+            </a:lvl1pPr>
+            <a:lvl2pPr eaLnBrk="1" hangingPunct="1">
+              <a:defRPr>
+                <a:solidFill>
+                  <a:schemeClr val="tx2"/>
+                </a:solidFill>
+              </a:defRPr>
+            </a:lvl2pPr>
+            <a:lvl3pPr eaLnBrk="1" hangingPunct="1">
+              <a:defRPr>
+                <a:solidFill>
+                  <a:schemeClr val="tx2"/>
+                </a:solidFill>
+              </a:defRPr>
+            </a:lvl3pPr>
+            <a:lvl4pPr eaLnBrk="1" hangingPunct="1">
+              <a:defRPr>
+                <a:solidFill>
+                  <a:schemeClr val="tx2"/>
+                </a:solidFill>
+              </a:defRPr>
+            </a:lvl4pPr>
+            <a:lvl5pPr eaLnBrk="1" hangingPunct="1">
+              <a:defRPr>
+                <a:solidFill>
+                  <a:schemeClr val="tx2"/>
+                </a:solidFill>
+              </a:defRPr>
+            </a:lvl5pPr>
+            <a:lvl6pPr eaLnBrk="1" hangingPunct="1">
+              <a:defRPr>
+                <a:solidFill>
+                  <a:schemeClr val="tx2"/>
+                </a:solidFill>
+              </a:defRPr>
+            </a:lvl6pPr>
+            <a:lvl7pPr eaLnBrk="1" hangingPunct="1">
+              <a:defRPr>
+                <a:solidFill>
+                  <a:schemeClr val="tx2"/>
+                </a:solidFill>
+              </a:defRPr>
+            </a:lvl7pPr>
+            <a:lvl8pPr eaLnBrk="1" hangingPunct="1">
+              <a:defRPr>
+                <a:solidFill>
+                  <a:schemeClr val="tx2"/>
+                </a:solidFill>
+              </a:defRPr>
+            </a:lvl8pPr>
+            <a:lvl9pPr eaLnBrk="1" hangingPunct="1">
+              <a:defRPr>
+                <a:solidFill>
+                  <a:schemeClr val="tx2"/>
+                </a:solidFill>
+              </a:defRPr>
+            </a:lvl9pPr>
+          </a:lstStyle>
+          <a:p>
+            <a:r>
+              <a:rPr lang="en-IN" dirty="0"/>
+              <a:t>Employee	</a:t>
+            </a:r>
+          </a:p>
+        </p:txBody>
+      </p:sp>
+      <p:sp>
+        <p:nvSpPr>
+          <p:cNvPr id="9" name="Content Placeholder 2">
+            <a:extLst>
+              <a:ext uri="{FF2B5EF4-FFF2-40B4-BE49-F238E27FC236}">
+                <a16:creationId xmlns:a16="http://schemas.microsoft.com/office/drawing/2014/main" id="{FF3358EA-177E-5D1D-971D-47C68800234F}"/>
+              </a:ext>
+            </a:extLst>
+          </p:cNvPr>
+          <p:cNvSpPr txBox="1">
+            <a:spLocks/>
+          </p:cNvSpPr>
+          <p:nvPr/>
+        </p:nvSpPr>
+        <p:spPr>
+          <a:xfrm>
+            <a:off x="751761" y="2481494"/>
+            <a:ext cx="9371640" cy="2550735"/>
+          </a:xfrm>
+          <a:prstGeom prst="rect">
+            <a:avLst/>
+          </a:prstGeom>
+        </p:spPr>
+        <p:txBody>
+          <a:bodyPr vert="horz" lIns="91440" tIns="45720" rIns="91440" bIns="45720" rtlCol="0">
+            <a:normAutofit/>
+          </a:bodyPr>
+          <a:lstStyle>
+            <a:lvl1pPr marL="342900" indent="-342900" algn="l" defTabSz="457200" rtl="0" eaLnBrk="1" latinLnBrk="0" hangingPunct="1">
+              <a:spcBef>
+                <a:spcPts val="1000"/>
+              </a:spcBef>
+              <a:spcAft>
+                <a:spcPts val="0"/>
+              </a:spcAft>
+              <a:buClr>
+                <a:schemeClr val="accent1"/>
+              </a:buClr>
+              <a:buSzPct val="80000"/>
+              <a:buFont typeface="Wingdings 3" charset="2"/>
+              <a:buChar char=""/>
+              <a:defRPr sz="1800" kern="1200">
+                <a:solidFill>
+                  <a:schemeClr val="tx1">
+                    <a:lumMod val="75000"/>
+                    <a:lumOff val="25000"/>
+                  </a:schemeClr>
+                </a:solidFill>
+                <a:latin typeface="+mn-lt"/>
+                <a:ea typeface="+mn-ea"/>
+                <a:cs typeface="+mn-cs"/>
+              </a:defRPr>
+            </a:lvl1pPr>
+            <a:lvl2pPr marL="742950" indent="-285750" algn="l" defTabSz="457200" rtl="0" eaLnBrk="1" latinLnBrk="0" hangingPunct="1">
+              <a:spcBef>
+                <a:spcPts val="1000"/>
+              </a:spcBef>
+              <a:spcAft>
+                <a:spcPts val="0"/>
+              </a:spcAft>
+              <a:buClr>
+                <a:schemeClr val="accent1"/>
+              </a:buClr>
+              <a:buSzPct val="80000"/>
+              <a:buFont typeface="Wingdings 3" charset="2"/>
+              <a:buChar char=""/>
+              <a:defRPr sz="1600" kern="1200">
+                <a:solidFill>
+                  <a:schemeClr val="tx1">
+                    <a:lumMod val="75000"/>
+                    <a:lumOff val="25000"/>
+                  </a:schemeClr>
+                </a:solidFill>
+                <a:latin typeface="+mn-lt"/>
+                <a:ea typeface="+mn-ea"/>
+                <a:cs typeface="+mn-cs"/>
+              </a:defRPr>
+            </a:lvl2pPr>
+            <a:lvl3pPr marL="1143000" indent="-228600" algn="l" defTabSz="457200" rtl="0" eaLnBrk="1" latinLnBrk="0" hangingPunct="1">
+              <a:spcBef>
+                <a:spcPts val="1000"/>
+              </a:spcBef>
+              <a:spcAft>
+                <a:spcPts val="0"/>
+              </a:spcAft>
+              <a:buClr>
+                <a:schemeClr val="accent1"/>
+              </a:buClr>
+              <a:buSzPct val="80000"/>
+              <a:buFont typeface="Wingdings 3" charset="2"/>
+              <a:buChar char=""/>
+              <a:defRPr sz="1400" kern="1200">
+                <a:solidFill>
+                  <a:schemeClr val="tx1">
+                    <a:lumMod val="75000"/>
+                    <a:lumOff val="25000"/>
+                  </a:schemeClr>
+                </a:solidFill>
+                <a:latin typeface="+mn-lt"/>
+                <a:ea typeface="+mn-ea"/>
+                <a:cs typeface="+mn-cs"/>
+              </a:defRPr>
+            </a:lvl3pPr>
+            <a:lvl4pPr marL="1600200" indent="-228600" algn="l" defTabSz="457200" rtl="0" eaLnBrk="1" latinLnBrk="0" hangingPunct="1">
+              <a:spcBef>
+                <a:spcPts val="1000"/>
+              </a:spcBef>
+              <a:spcAft>
+                <a:spcPts val="0"/>
+              </a:spcAft>
+              <a:buClr>
+                <a:schemeClr val="accent1"/>
+              </a:buClr>
+              <a:buSzPct val="80000"/>
+              <a:buFont typeface="Wingdings 3" charset="2"/>
+              <a:buChar char=""/>
+              <a:defRPr sz="1200" kern="1200">
+                <a:solidFill>
+                  <a:schemeClr val="tx1">
+                    <a:lumMod val="75000"/>
+                    <a:lumOff val="25000"/>
+                  </a:schemeClr>
+                </a:solidFill>
+                <a:latin typeface="+mn-lt"/>
+                <a:ea typeface="+mn-ea"/>
+                <a:cs typeface="+mn-cs"/>
+              </a:defRPr>
+            </a:lvl4pPr>
+            <a:lvl5pPr marL="2057400" indent="-228600" algn="l" defTabSz="457200" rtl="0" eaLnBrk="1" latinLnBrk="0" hangingPunct="1">
+              <a:spcBef>
+                <a:spcPts val="1000"/>
+              </a:spcBef>
+              <a:spcAft>
+                <a:spcPts val="0"/>
+              </a:spcAft>
+              <a:buClr>
+                <a:schemeClr val="accent1"/>
+              </a:buClr>
+              <a:buSzPct val="80000"/>
+              <a:buFont typeface="Wingdings 3" charset="2"/>
+              <a:buChar char=""/>
+              <a:defRPr sz="1200" kern="1200">
+                <a:solidFill>
+                  <a:schemeClr val="tx1">
+                    <a:lumMod val="75000"/>
+                    <a:lumOff val="25000"/>
+                  </a:schemeClr>
+                </a:solidFill>
+                <a:latin typeface="+mn-lt"/>
+                <a:ea typeface="+mn-ea"/>
+                <a:cs typeface="+mn-cs"/>
+              </a:defRPr>
+            </a:lvl5pPr>
+            <a:lvl6pPr marL="2514600" indent="-228600" algn="l" defTabSz="457200" rtl="0" eaLnBrk="1" latinLnBrk="0" hangingPunct="1">
+              <a:spcBef>
+                <a:spcPts val="1000"/>
+              </a:spcBef>
+              <a:spcAft>
+                <a:spcPts val="0"/>
+              </a:spcAft>
+              <a:buClr>
+                <a:schemeClr val="accent1"/>
+              </a:buClr>
+              <a:buSzPct val="80000"/>
+              <a:buFont typeface="Wingdings 3" charset="2"/>
+              <a:buChar char=""/>
+              <a:defRPr sz="1200" kern="1200">
+                <a:solidFill>
+                  <a:schemeClr val="tx1">
+                    <a:lumMod val="75000"/>
+                    <a:lumOff val="25000"/>
+                  </a:schemeClr>
+                </a:solidFill>
+                <a:latin typeface="+mn-lt"/>
+                <a:ea typeface="+mn-ea"/>
+                <a:cs typeface="+mn-cs"/>
+              </a:defRPr>
+            </a:lvl6pPr>
+            <a:lvl7pPr marL="2971800" indent="-228600" algn="l" defTabSz="457200" rtl="0" eaLnBrk="1" latinLnBrk="0" hangingPunct="1">
+              <a:spcBef>
+                <a:spcPts val="1000"/>
+              </a:spcBef>
+              <a:spcAft>
+                <a:spcPts val="0"/>
+              </a:spcAft>
+              <a:buClr>
+                <a:schemeClr val="accent1"/>
+              </a:buClr>
+              <a:buSzPct val="80000"/>
+              <a:buFont typeface="Wingdings 3" charset="2"/>
+              <a:buChar char=""/>
+              <a:defRPr sz="1200" kern="1200">
+                <a:solidFill>
+                  <a:schemeClr val="tx1">
+                    <a:lumMod val="75000"/>
+                    <a:lumOff val="25000"/>
+                  </a:schemeClr>
+                </a:solidFill>
+                <a:latin typeface="+mn-lt"/>
+                <a:ea typeface="+mn-ea"/>
+                <a:cs typeface="+mn-cs"/>
+              </a:defRPr>
+            </a:lvl7pPr>
+            <a:lvl8pPr marL="3429000" indent="-228600" algn="l" defTabSz="457200" rtl="0" eaLnBrk="1" latinLnBrk="0" hangingPunct="1">
+              <a:spcBef>
+                <a:spcPts val="1000"/>
+              </a:spcBef>
+              <a:spcAft>
+                <a:spcPts val="0"/>
+              </a:spcAft>
+              <a:buClr>
+                <a:schemeClr val="accent1"/>
+              </a:buClr>
+              <a:buSzPct val="80000"/>
+              <a:buFont typeface="Wingdings 3" charset="2"/>
+              <a:buChar char=""/>
+              <a:defRPr sz="1200" kern="1200">
+                <a:solidFill>
+                  <a:schemeClr val="tx1">
+                    <a:lumMod val="75000"/>
+                    <a:lumOff val="25000"/>
+                  </a:schemeClr>
+                </a:solidFill>
+                <a:latin typeface="+mn-lt"/>
+                <a:ea typeface="+mn-ea"/>
+                <a:cs typeface="+mn-cs"/>
+              </a:defRPr>
+            </a:lvl8pPr>
+            <a:lvl9pPr marL="3886200" indent="-228600" algn="l" defTabSz="457200" rtl="0" eaLnBrk="1" latinLnBrk="0" hangingPunct="1">
+              <a:spcBef>
+                <a:spcPts val="1000"/>
+              </a:spcBef>
+              <a:spcAft>
+                <a:spcPts val="0"/>
+              </a:spcAft>
+              <a:buClr>
+                <a:schemeClr val="accent1"/>
+              </a:buClr>
+              <a:buSzPct val="80000"/>
+              <a:buFont typeface="Wingdings 3" charset="2"/>
+              <a:buChar char=""/>
+              <a:defRPr sz="1200" kern="1200">
+                <a:solidFill>
+                  <a:schemeClr val="tx1">
+                    <a:lumMod val="75000"/>
+                    <a:lumOff val="25000"/>
+                  </a:schemeClr>
+                </a:solidFill>
+                <a:latin typeface="+mn-lt"/>
+                <a:ea typeface="+mn-ea"/>
+                <a:cs typeface="+mn-cs"/>
+              </a:defRPr>
+            </a:lvl9pPr>
+          </a:lstStyle>
+          <a:p>
+            <a:r>
+              <a:rPr lang="en-IN" sz="2400" dirty="0"/>
+              <a:t>Employee can log in or log out their account for the leave application with the unique id which is provided by the admin module.</a:t>
+            </a:r>
+          </a:p>
+          <a:p>
+            <a:r>
+              <a:rPr lang="en-IN" sz="2400" dirty="0"/>
+              <a:t>Based on the availability of leave, employee can apply for leave online.</a:t>
+            </a:r>
+          </a:p>
+        </p:txBody>
+      </p:sp>
+    </p:spTree>
+    <p:extLst>
+      <p:ext uri="{BB962C8B-B14F-4D97-AF65-F5344CB8AC3E}">
+        <p14:creationId xmlns:p14="http://schemas.microsoft.com/office/powerpoint/2010/main" val="3507282196"/>
+      </p:ext>
+    </p:extLst>
+  </p:cSld>
+  <p:clrMapOvr>
+    <a:masterClrMapping/>
+  </p:clrMapOvr>
+</p:sld>
+</file>
+
+<file path=ppt/slides/slide9.xml><?xml version="1.0" encoding="utf-8"?>
+<p:sld xmlns:a="http://schemas.openxmlformats.org/drawingml/2006/main" xmlns:r="http://schemas.openxmlformats.org/officeDocument/2006/relationships" xmlns:p="http://schemas.openxmlformats.org/presentationml/2006/main" showMasterSp="0">
+  <p:cSld>
+    <p:spTree>
+      <p:nvGrpSpPr>
+        <p:cNvPr id="1" name=""/>
+        <p:cNvGrpSpPr/>
+        <p:nvPr/>
+      </p:nvGrpSpPr>
+      <p:grpSpPr>
+        <a:xfrm>
+          <a:off x="0" y="0"/>
+          <a:ext cx="0" cy="0"/>
+          <a:chOff x="0" y="0"/>
+          <a:chExt cx="0" cy="0"/>
+        </a:xfrm>
+      </p:grpSpPr>
+      <p:pic>
+        <p:nvPicPr>
+          <p:cNvPr id="5" name="Picture 4">
+            <a:extLst>
+              <a:ext uri="{FF2B5EF4-FFF2-40B4-BE49-F238E27FC236}">
+                <a16:creationId xmlns:a16="http://schemas.microsoft.com/office/drawing/2014/main" id="{9F7DEB31-8C83-4ACA-12AA-FC92CF816441}"/>
+              </a:ext>
+            </a:extLst>
+          </p:cNvPr>
+          <p:cNvPicPr>
+            <a:picLocks noChangeAspect="1"/>
+          </p:cNvPicPr>
+          <p:nvPr/>
+        </p:nvPicPr>
+        <p:blipFill>
+          <a:blip r:embed="rId2"/>
+          <a:stretch>
+            <a:fillRect/>
+          </a:stretch>
+        </p:blipFill>
+        <p:spPr>
+          <a:xfrm>
+            <a:off x="0" y="0"/>
+            <a:ext cx="12191999" cy="6858000"/>
+          </a:xfrm>
+          <a:prstGeom prst="rect">
+            <a:avLst/>
+          </a:prstGeom>
+        </p:spPr>
+      </p:pic>
+    </p:spTree>
+    <p:extLst>
+      <p:ext uri="{BB962C8B-B14F-4D97-AF65-F5344CB8AC3E}">
+        <p14:creationId xmlns:p14="http://schemas.microsoft.com/office/powerpoint/2010/main" val="1320757617"/>
       </p:ext>
     </p:extLst>
   </p:cSld>

--- a/Leave Management System.pptx
+++ b/Leave Management System.pptx
@@ -17,6 +17,7 @@
     <p:sldId id="272" r:id="rId11"/>
     <p:sldId id="261" r:id="rId12"/>
     <p:sldId id="262" r:id="rId13"/>
+    <p:sldId id="275" r:id="rId14"/>
   </p:sldIdLst>
   <p:sldSz cx="12192000" cy="6858000"/>
   <p:notesSz cx="6858000" cy="9144000"/>
@@ -845,7 +846,7 @@
           <a:p>
             <a:fld id="{4C4F69B4-95D8-43D0-B5C2-24E215F5D8AD}" type="datetimeFigureOut">
               <a:rPr lang="en-IN" smtClean="0"/>
-              <a:t>28-11-2022</a:t>
+              <a:t>30-11-2022</a:t>
             </a:fld>
             <a:endParaRPr lang="en-IN"/>
           </a:p>
@@ -1096,7 +1097,7 @@
           <a:p>
             <a:fld id="{4C4F69B4-95D8-43D0-B5C2-24E215F5D8AD}" type="datetimeFigureOut">
               <a:rPr lang="en-IN" smtClean="0"/>
-              <a:t>28-11-2022</a:t>
+              <a:t>30-11-2022</a:t>
             </a:fld>
             <a:endParaRPr lang="en-IN"/>
           </a:p>
@@ -1410,7 +1411,7 @@
           <a:p>
             <a:fld id="{4C4F69B4-95D8-43D0-B5C2-24E215F5D8AD}" type="datetimeFigureOut">
               <a:rPr lang="en-IN" smtClean="0"/>
-              <a:t>28-11-2022</a:t>
+              <a:t>30-11-2022</a:t>
             </a:fld>
             <a:endParaRPr lang="en-IN"/>
           </a:p>
@@ -1751,7 +1752,7 @@
           <a:p>
             <a:fld id="{4C4F69B4-95D8-43D0-B5C2-24E215F5D8AD}" type="datetimeFigureOut">
               <a:rPr lang="en-IN" smtClean="0"/>
-              <a:t>28-11-2022</a:t>
+              <a:t>30-11-2022</a:t>
             </a:fld>
             <a:endParaRPr lang="en-IN"/>
           </a:p>
@@ -2065,7 +2066,7 @@
           <a:p>
             <a:fld id="{4C4F69B4-95D8-43D0-B5C2-24E215F5D8AD}" type="datetimeFigureOut">
               <a:rPr lang="en-IN" smtClean="0"/>
-              <a:t>28-11-2022</a:t>
+              <a:t>30-11-2022</a:t>
             </a:fld>
             <a:endParaRPr lang="en-IN"/>
           </a:p>
@@ -2458,7 +2459,7 @@
           <a:p>
             <a:fld id="{4C4F69B4-95D8-43D0-B5C2-24E215F5D8AD}" type="datetimeFigureOut">
               <a:rPr lang="en-IN" smtClean="0"/>
-              <a:t>28-11-2022</a:t>
+              <a:t>30-11-2022</a:t>
             </a:fld>
             <a:endParaRPr lang="en-IN"/>
           </a:p>
@@ -2628,7 +2629,7 @@
           <a:p>
             <a:fld id="{4C4F69B4-95D8-43D0-B5C2-24E215F5D8AD}" type="datetimeFigureOut">
               <a:rPr lang="en-IN" smtClean="0"/>
-              <a:t>28-11-2022</a:t>
+              <a:t>30-11-2022</a:t>
             </a:fld>
             <a:endParaRPr lang="en-IN"/>
           </a:p>
@@ -2808,7 +2809,7 @@
           <a:p>
             <a:fld id="{4C4F69B4-95D8-43D0-B5C2-24E215F5D8AD}" type="datetimeFigureOut">
               <a:rPr lang="en-IN" smtClean="0"/>
-              <a:t>28-11-2022</a:t>
+              <a:t>30-11-2022</a:t>
             </a:fld>
             <a:endParaRPr lang="en-IN"/>
           </a:p>
@@ -2984,7 +2985,7 @@
           <a:p>
             <a:fld id="{4C4F69B4-95D8-43D0-B5C2-24E215F5D8AD}" type="datetimeFigureOut">
               <a:rPr lang="en-IN" smtClean="0"/>
-              <a:t>28-11-2022</a:t>
+              <a:t>30-11-2022</a:t>
             </a:fld>
             <a:endParaRPr lang="en-IN"/>
           </a:p>
@@ -3231,7 +3232,7 @@
           <a:p>
             <a:fld id="{4C4F69B4-95D8-43D0-B5C2-24E215F5D8AD}" type="datetimeFigureOut">
               <a:rPr lang="en-IN" smtClean="0"/>
-              <a:t>28-11-2022</a:t>
+              <a:t>30-11-2022</a:t>
             </a:fld>
             <a:endParaRPr lang="en-IN"/>
           </a:p>
@@ -3463,7 +3464,7 @@
           <a:p>
             <a:fld id="{4C4F69B4-95D8-43D0-B5C2-24E215F5D8AD}" type="datetimeFigureOut">
               <a:rPr lang="en-IN" smtClean="0"/>
-              <a:t>28-11-2022</a:t>
+              <a:t>30-11-2022</a:t>
             </a:fld>
             <a:endParaRPr lang="en-IN"/>
           </a:p>
@@ -3837,7 +3838,7 @@
           <a:p>
             <a:fld id="{4C4F69B4-95D8-43D0-B5C2-24E215F5D8AD}" type="datetimeFigureOut">
               <a:rPr lang="en-IN" smtClean="0"/>
-              <a:t>28-11-2022</a:t>
+              <a:t>30-11-2022</a:t>
             </a:fld>
             <a:endParaRPr lang="en-IN"/>
           </a:p>
@@ -3960,7 +3961,7 @@
           <a:p>
             <a:fld id="{4C4F69B4-95D8-43D0-B5C2-24E215F5D8AD}" type="datetimeFigureOut">
               <a:rPr lang="en-IN" smtClean="0"/>
-              <a:t>28-11-2022</a:t>
+              <a:t>30-11-2022</a:t>
             </a:fld>
             <a:endParaRPr lang="en-IN"/>
           </a:p>
@@ -4055,7 +4056,7 @@
           <a:p>
             <a:fld id="{4C4F69B4-95D8-43D0-B5C2-24E215F5D8AD}" type="datetimeFigureOut">
               <a:rPr lang="en-IN" smtClean="0"/>
-              <a:t>28-11-2022</a:t>
+              <a:t>30-11-2022</a:t>
             </a:fld>
             <a:endParaRPr lang="en-IN"/>
           </a:p>
@@ -4310,7 +4311,7 @@
           <a:p>
             <a:fld id="{4C4F69B4-95D8-43D0-B5C2-24E215F5D8AD}" type="datetimeFigureOut">
               <a:rPr lang="en-IN" smtClean="0"/>
-              <a:t>28-11-2022</a:t>
+              <a:t>30-11-2022</a:t>
             </a:fld>
             <a:endParaRPr lang="en-IN"/>
           </a:p>
@@ -4573,7 +4574,7 @@
           <a:p>
             <a:fld id="{4C4F69B4-95D8-43D0-B5C2-24E215F5D8AD}" type="datetimeFigureOut">
               <a:rPr lang="en-IN" smtClean="0"/>
-              <a:t>28-11-2022</a:t>
+              <a:t>30-11-2022</a:t>
             </a:fld>
             <a:endParaRPr lang="en-IN"/>
           </a:p>
@@ -5316,7 +5317,7 @@
           <a:p>
             <a:fld id="{4C4F69B4-95D8-43D0-B5C2-24E215F5D8AD}" type="datetimeFigureOut">
               <a:rPr lang="en-IN" smtClean="0"/>
-              <a:t>28-11-2022</a:t>
+              <a:t>30-11-2022</a:t>
             </a:fld>
             <a:endParaRPr lang="en-IN"/>
           </a:p>
@@ -5870,7 +5871,7 @@
         </p:blipFill>
         <p:spPr>
           <a:xfrm>
-            <a:off x="5186362" y="170354"/>
+            <a:off x="4696168" y="170354"/>
             <a:ext cx="1819275" cy="2145572"/>
           </a:xfrm>
           <a:prstGeom prst="rect">
@@ -6822,6 +6823,229 @@
 </p:sld>
 </file>
 
+<file path=ppt/slides/slide13.xml><?xml version="1.0" encoding="utf-8"?>
+<p:sld xmlns:a="http://schemas.openxmlformats.org/drawingml/2006/main" xmlns:r="http://schemas.openxmlformats.org/officeDocument/2006/relationships" xmlns:p="http://schemas.openxmlformats.org/presentationml/2006/main">
+  <p:cSld>
+    <p:spTree>
+      <p:nvGrpSpPr>
+        <p:cNvPr id="1" name=""/>
+        <p:cNvGrpSpPr/>
+        <p:nvPr/>
+      </p:nvGrpSpPr>
+      <p:grpSpPr>
+        <a:xfrm>
+          <a:off x="0" y="0"/>
+          <a:ext cx="0" cy="0"/>
+          <a:chOff x="0" y="0"/>
+          <a:chExt cx="0" cy="0"/>
+        </a:xfrm>
+      </p:grpSpPr>
+      <p:sp>
+        <p:nvSpPr>
+          <p:cNvPr id="2" name="Title 1">
+            <a:extLst>
+              <a:ext uri="{FF2B5EF4-FFF2-40B4-BE49-F238E27FC236}">
+                <a16:creationId xmlns:a16="http://schemas.microsoft.com/office/drawing/2014/main" id="{D7BA8790-A9AE-72E4-4AAC-5E7411EE0D98}"/>
+              </a:ext>
+            </a:extLst>
+          </p:cNvPr>
+          <p:cNvSpPr>
+            <a:spLocks noGrp="1"/>
+          </p:cNvSpPr>
+          <p:nvPr>
+            <p:ph type="title"/>
+          </p:nvPr>
+        </p:nvSpPr>
+        <p:spPr/>
+        <p:txBody>
+          <a:bodyPr>
+            <a:normAutofit/>
+          </a:bodyPr>
+          <a:lstStyle/>
+          <a:p>
+            <a:pPr algn="ctr"/>
+            <a:r>
+              <a:rPr lang="en-IN" sz="8000" b="1" i="1" u="sng" dirty="0">
+                <a:latin typeface="Lucida Calligraphy" panose="03010101010101010101" pitchFamily="66" charset="0"/>
+              </a:rPr>
+              <a:t>THANK YOU</a:t>
+            </a:r>
+          </a:p>
+        </p:txBody>
+      </p:sp>
+      <p:sp>
+        <p:nvSpPr>
+          <p:cNvPr id="3" name="Content Placeholder 2">
+            <a:extLst>
+              <a:ext uri="{FF2B5EF4-FFF2-40B4-BE49-F238E27FC236}">
+                <a16:creationId xmlns:a16="http://schemas.microsoft.com/office/drawing/2014/main" id="{02C74554-7E90-23ED-C4F2-4B5E20CAAAA5}"/>
+              </a:ext>
+            </a:extLst>
+          </p:cNvPr>
+          <p:cNvSpPr>
+            <a:spLocks noGrp="1"/>
+          </p:cNvSpPr>
+          <p:nvPr>
+            <p:ph idx="1"/>
+          </p:nvPr>
+        </p:nvSpPr>
+        <p:spPr>
+          <a:xfrm>
+            <a:off x="677334" y="2160589"/>
+            <a:ext cx="9126542" cy="4202504"/>
+          </a:xfrm>
+        </p:spPr>
+        <p:txBody>
+          <a:bodyPr>
+            <a:normAutofit/>
+          </a:bodyPr>
+          <a:lstStyle/>
+          <a:p>
+            <a:r>
+              <a:rPr lang="en-IN" dirty="0"/>
+              <a:t>Website link:-</a:t>
+            </a:r>
+          </a:p>
+          <a:p>
+            <a:pPr marL="457200" lvl="1" indent="0">
+              <a:buNone/>
+            </a:pPr>
+            <a:r>
+              <a:rPr lang="en-IN" dirty="0"/>
+              <a:t>                           </a:t>
+            </a:r>
+          </a:p>
+          <a:p>
+            <a:pPr lvl="1"/>
+            <a:endParaRPr lang="en-IN" dirty="0"/>
+          </a:p>
+          <a:p>
+            <a:pPr lvl="1"/>
+            <a:endParaRPr lang="en-IN" dirty="0"/>
+          </a:p>
+          <a:p>
+            <a:pPr lvl="1"/>
+            <a:endParaRPr lang="en-IN" dirty="0"/>
+          </a:p>
+          <a:p>
+            <a:pPr lvl="1"/>
+            <a:endParaRPr lang="en-IN" dirty="0"/>
+          </a:p>
+          <a:p>
+            <a:pPr lvl="1"/>
+            <a:endParaRPr lang="en-IN" dirty="0"/>
+          </a:p>
+          <a:p>
+            <a:pPr lvl="1"/>
+            <a:endParaRPr lang="en-IN" dirty="0"/>
+          </a:p>
+          <a:p>
+            <a:pPr marL="2743200" lvl="6" indent="0">
+              <a:buNone/>
+            </a:pPr>
+            <a:endParaRPr lang="en-IN" dirty="0">
+              <a:hlinkClick r:id="rId2">
+                <a:extLst>
+                  <a:ext uri="{A12FA001-AC4F-418D-AE19-62706E023703}">
+                    <ahyp:hlinkClr xmlns:ahyp="http://schemas.microsoft.com/office/drawing/2018/hyperlinkcolor" val="tx"/>
+                  </a:ext>
+                </a:extLst>
+              </a:hlinkClick>
+            </a:endParaRPr>
+          </a:p>
+          <a:p>
+            <a:pPr marL="2286000" lvl="5" indent="0">
+              <a:buNone/>
+            </a:pPr>
+            <a:r>
+              <a:rPr lang="en-US" sz="2200" u="sng" dirty="0">
+                <a:solidFill>
+                  <a:srgbClr val="002060"/>
+                </a:solidFill>
+                <a:effectLst/>
+                <a:latin typeface="Times New Roman" panose="02020603050405020304" pitchFamily="18" charset="0"/>
+                <a:ea typeface="Calibri" panose="020F0502020204030204" pitchFamily="34" charset="0"/>
+                <a:cs typeface="Times New Roman" panose="02020603050405020304" pitchFamily="18" charset="0"/>
+                <a:hlinkClick r:id="rId2">
+                  <a:extLst>
+                    <a:ext uri="{A12FA001-AC4F-418D-AE19-62706E023703}">
+                      <ahyp:hlinkClr xmlns:ahyp="http://schemas.microsoft.com/office/drawing/2018/hyperlinkcolor" val="tx"/>
+                    </a:ext>
+                  </a:extLst>
+                </a:hlinkClick>
+              </a:rPr>
+              <a:t>https://web-production-1e3a.up.railway.app/</a:t>
+            </a:r>
+            <a:endParaRPr lang="en-IN" sz="2200" dirty="0">
+              <a:solidFill>
+                <a:srgbClr val="002060"/>
+              </a:solidFill>
+              <a:effectLst/>
+              <a:latin typeface="Calibri" panose="020F0502020204030204" pitchFamily="34" charset="0"/>
+              <a:ea typeface="Calibri" panose="020F0502020204030204" pitchFamily="34" charset="0"/>
+              <a:cs typeface="Times New Roman" panose="02020603050405020304" pitchFamily="18" charset="0"/>
+            </a:endParaRPr>
+          </a:p>
+          <a:p>
+            <a:pPr lvl="6"/>
+            <a:endParaRPr lang="en-IN" dirty="0"/>
+          </a:p>
+          <a:p>
+            <a:pPr lvl="6"/>
+            <a:endParaRPr lang="en-IN" dirty="0"/>
+          </a:p>
+        </p:txBody>
+      </p:sp>
+      <p:pic>
+        <p:nvPicPr>
+          <p:cNvPr id="4" name="Picture 3">
+            <a:extLst>
+              <a:ext uri="{FF2B5EF4-FFF2-40B4-BE49-F238E27FC236}">
+                <a16:creationId xmlns:a16="http://schemas.microsoft.com/office/drawing/2014/main" id="{0966F5FB-5F01-733E-B8E7-D16FBAA1C04B}"/>
+              </a:ext>
+            </a:extLst>
+          </p:cNvPr>
+          <p:cNvPicPr>
+            <a:picLocks noChangeAspect="1"/>
+          </p:cNvPicPr>
+          <p:nvPr/>
+        </p:nvPicPr>
+        <p:blipFill rotWithShape="1">
+          <a:blip r:embed="rId3"/>
+          <a:srcRect l="23802" t="17969" r="23524" b="37947"/>
+          <a:stretch/>
+        </p:blipFill>
+        <p:spPr bwMode="auto">
+          <a:xfrm>
+            <a:off x="3823198" y="2034696"/>
+            <a:ext cx="3448451" cy="3470557"/>
+          </a:xfrm>
+          <a:prstGeom prst="rect">
+            <a:avLst/>
+          </a:prstGeom>
+          <a:ln>
+            <a:noFill/>
+          </a:ln>
+          <a:extLst>
+            <a:ext uri="{53640926-AAD7-44D8-BBD7-CCE9431645EC}">
+              <a14:shadowObscured xmlns:a14="http://schemas.microsoft.com/office/drawing/2010/main"/>
+            </a:ext>
+          </a:extLst>
+        </p:spPr>
+      </p:pic>
+    </p:spTree>
+    <p:extLst>
+      <p:ext uri="{BB962C8B-B14F-4D97-AF65-F5344CB8AC3E}">
+        <p14:creationId xmlns:p14="http://schemas.microsoft.com/office/powerpoint/2010/main" val="1256384751"/>
+      </p:ext>
+    </p:extLst>
+  </p:cSld>
+  <p:clrMapOvr>
+    <a:masterClrMapping/>
+  </p:clrMapOvr>
+</p:sld>
+</file>
+
 <file path=ppt/slides/slide2.xml><?xml version="1.0" encoding="utf-8"?>
 <p:sld xmlns:a="http://schemas.openxmlformats.org/drawingml/2006/main" xmlns:r="http://schemas.openxmlformats.org/officeDocument/2006/relationships" xmlns:p="http://schemas.openxmlformats.org/presentationml/2006/main">
   <p:cSld>
@@ -6944,7 +7168,27 @@
                 <a:ea typeface="+mn-ea"/>
                 <a:cs typeface="Arial" panose="020B0604020202020204" pitchFamily="34" charset="0"/>
               </a:rPr>
-              <a:t>This approach basically deals with the record of leaves taken by faculty members and students in the organisation</a:t>
+              <a:t>This approach basically deals with the record of leaves taken by </a:t>
+            </a:r>
+            <a:r>
+              <a:rPr lang="en-IN" sz="2400" dirty="0">
+                <a:solidFill>
+                  <a:srgbClr val="000000"/>
+                </a:solidFill>
+                <a:cs typeface="Arial" panose="020B0604020202020204" pitchFamily="34" charset="0"/>
+              </a:rPr>
+              <a:t>the employees</a:t>
+            </a:r>
+            <a:r>
+              <a:rPr lang="en-IN" sz="2400" kern="1200" dirty="0">
+                <a:solidFill>
+                  <a:srgbClr val="000000"/>
+                </a:solidFill>
+                <a:effectLst/>
+                <a:ea typeface="+mn-ea"/>
+                <a:cs typeface="Arial" panose="020B0604020202020204" pitchFamily="34" charset="0"/>
+              </a:rPr>
+              <a:t> in the organisation</a:t>
             </a:r>
             <a:endParaRPr lang="en-IN" sz="2400" dirty="0">
               <a:effectLst/>

--- a/Leave Management System.pptx
+++ b/Leave Management System.pptx
@@ -845,7 +845,7 @@
           <a:p>
             <a:fld id="{4C4F69B4-95D8-43D0-B5C2-24E215F5D8AD}" type="datetimeFigureOut">
               <a:rPr lang="en-IN" smtClean="0"/>
-              <a:t>28-11-2022</a:t>
+              <a:t>01-12-2022</a:t>
             </a:fld>
             <a:endParaRPr lang="en-IN"/>
           </a:p>
@@ -1096,7 +1096,7 @@
           <a:p>
             <a:fld id="{4C4F69B4-95D8-43D0-B5C2-24E215F5D8AD}" type="datetimeFigureOut">
               <a:rPr lang="en-IN" smtClean="0"/>
-              <a:t>28-11-2022</a:t>
+              <a:t>01-12-2022</a:t>
             </a:fld>
             <a:endParaRPr lang="en-IN"/>
           </a:p>
@@ -1410,7 +1410,7 @@
           <a:p>
             <a:fld id="{4C4F69B4-95D8-43D0-B5C2-24E215F5D8AD}" type="datetimeFigureOut">
               <a:rPr lang="en-IN" smtClean="0"/>
-              <a:t>28-11-2022</a:t>
+              <a:t>01-12-2022</a:t>
             </a:fld>
             <a:endParaRPr lang="en-IN"/>
           </a:p>
@@ -1751,7 +1751,7 @@
           <a:p>
             <a:fld id="{4C4F69B4-95D8-43D0-B5C2-24E215F5D8AD}" type="datetimeFigureOut">
               <a:rPr lang="en-IN" smtClean="0"/>
-              <a:t>28-11-2022</a:t>
+              <a:t>01-12-2022</a:t>
             </a:fld>
             <a:endParaRPr lang="en-IN"/>
           </a:p>
@@ -2065,7 +2065,7 @@
           <a:p>
             <a:fld id="{4C4F69B4-95D8-43D0-B5C2-24E215F5D8AD}" type="datetimeFigureOut">
               <a:rPr lang="en-IN" smtClean="0"/>
-              <a:t>28-11-2022</a:t>
+              <a:t>01-12-2022</a:t>
             </a:fld>
             <a:endParaRPr lang="en-IN"/>
           </a:p>
@@ -2458,7 +2458,7 @@
           <a:p>
             <a:fld id="{4C4F69B4-95D8-43D0-B5C2-24E215F5D8AD}" type="datetimeFigureOut">
               <a:rPr lang="en-IN" smtClean="0"/>
-              <a:t>28-11-2022</a:t>
+              <a:t>01-12-2022</a:t>
             </a:fld>
             <a:endParaRPr lang="en-IN"/>
           </a:p>
@@ -2628,7 +2628,7 @@
           <a:p>
             <a:fld id="{4C4F69B4-95D8-43D0-B5C2-24E215F5D8AD}" type="datetimeFigureOut">
               <a:rPr lang="en-IN" smtClean="0"/>
-              <a:t>28-11-2022</a:t>
+              <a:t>01-12-2022</a:t>
             </a:fld>
             <a:endParaRPr lang="en-IN"/>
           </a:p>
@@ -2808,7 +2808,7 @@
           <a:p>
             <a:fld id="{4C4F69B4-95D8-43D0-B5C2-24E215F5D8AD}" type="datetimeFigureOut">
               <a:rPr lang="en-IN" smtClean="0"/>
-              <a:t>28-11-2022</a:t>
+              <a:t>01-12-2022</a:t>
             </a:fld>
             <a:endParaRPr lang="en-IN"/>
           </a:p>
@@ -2984,7 +2984,7 @@
           <a:p>
             <a:fld id="{4C4F69B4-95D8-43D0-B5C2-24E215F5D8AD}" type="datetimeFigureOut">
               <a:rPr lang="en-IN" smtClean="0"/>
-              <a:t>28-11-2022</a:t>
+              <a:t>01-12-2022</a:t>
             </a:fld>
             <a:endParaRPr lang="en-IN"/>
           </a:p>
@@ -3231,7 +3231,7 @@
           <a:p>
             <a:fld id="{4C4F69B4-95D8-43D0-B5C2-24E215F5D8AD}" type="datetimeFigureOut">
               <a:rPr lang="en-IN" smtClean="0"/>
-              <a:t>28-11-2022</a:t>
+              <a:t>01-12-2022</a:t>
             </a:fld>
             <a:endParaRPr lang="en-IN"/>
           </a:p>
@@ -3463,7 +3463,7 @@
           <a:p>
             <a:fld id="{4C4F69B4-95D8-43D0-B5C2-24E215F5D8AD}" type="datetimeFigureOut">
               <a:rPr lang="en-IN" smtClean="0"/>
-              <a:t>28-11-2022</a:t>
+              <a:t>01-12-2022</a:t>
             </a:fld>
             <a:endParaRPr lang="en-IN"/>
           </a:p>
@@ -3837,7 +3837,7 @@
           <a:p>
             <a:fld id="{4C4F69B4-95D8-43D0-B5C2-24E215F5D8AD}" type="datetimeFigureOut">
               <a:rPr lang="en-IN" smtClean="0"/>
-              <a:t>28-11-2022</a:t>
+              <a:t>01-12-2022</a:t>
             </a:fld>
             <a:endParaRPr lang="en-IN"/>
           </a:p>
@@ -3960,7 +3960,7 @@
           <a:p>
             <a:fld id="{4C4F69B4-95D8-43D0-B5C2-24E215F5D8AD}" type="datetimeFigureOut">
               <a:rPr lang="en-IN" smtClean="0"/>
-              <a:t>28-11-2022</a:t>
+              <a:t>01-12-2022</a:t>
             </a:fld>
             <a:endParaRPr lang="en-IN"/>
           </a:p>
@@ -4055,7 +4055,7 @@
           <a:p>
             <a:fld id="{4C4F69B4-95D8-43D0-B5C2-24E215F5D8AD}" type="datetimeFigureOut">
               <a:rPr lang="en-IN" smtClean="0"/>
-              <a:t>28-11-2022</a:t>
+              <a:t>01-12-2022</a:t>
             </a:fld>
             <a:endParaRPr lang="en-IN"/>
           </a:p>
@@ -4310,7 +4310,7 @@
           <a:p>
             <a:fld id="{4C4F69B4-95D8-43D0-B5C2-24E215F5D8AD}" type="datetimeFigureOut">
               <a:rPr lang="en-IN" smtClean="0"/>
-              <a:t>28-11-2022</a:t>
+              <a:t>01-12-2022</a:t>
             </a:fld>
             <a:endParaRPr lang="en-IN"/>
           </a:p>
@@ -4573,7 +4573,7 @@
           <a:p>
             <a:fld id="{4C4F69B4-95D8-43D0-B5C2-24E215F5D8AD}" type="datetimeFigureOut">
               <a:rPr lang="en-IN" smtClean="0"/>
-              <a:t>28-11-2022</a:t>
+              <a:t>01-12-2022</a:t>
             </a:fld>
             <a:endParaRPr lang="en-IN"/>
           </a:p>
@@ -5316,7 +5316,7 @@
           <a:p>
             <a:fld id="{4C4F69B4-95D8-43D0-B5C2-24E215F5D8AD}" type="datetimeFigureOut">
               <a:rPr lang="en-IN" smtClean="0"/>
-              <a:t>28-11-2022</a:t>
+              <a:t>01-12-2022</a:t>
             </a:fld>
             <a:endParaRPr lang="en-IN"/>
           </a:p>
@@ -8820,13 +8820,13 @@
           <a:p>
             <a:r>
               <a:rPr lang="en-IN" sz="2400" dirty="0"/>
-              <a:t>Employee can log in or log out their account for the leave application with the unique id which is provided by the admin module.</a:t>
+              <a:t> Employees can log in or log out of their account for the leave application with the unique id which is provided by the admin module.</a:t>
             </a:r>
           </a:p>
           <a:p>
             <a:r>
               <a:rPr lang="en-IN" sz="2400" dirty="0"/>
-              <a:t>Based on the availability of leave, employee can apply for leave online.</a:t>
+              <a:t>Based on the availability of leave, employees can apply for leave online.</a:t>
             </a:r>
           </a:p>
         </p:txBody>
